--- a/01-Web-Scraping/main.pptx
+++ b/01-Web-Scraping/main.pptx
@@ -9,10 +9,15 @@
     <p:sldId id="258" r:id="rId3"/>
     <p:sldId id="259" r:id="rId4"/>
     <p:sldId id="263" r:id="rId5"/>
-    <p:sldId id="264" r:id="rId6"/>
-    <p:sldId id="260" r:id="rId7"/>
-    <p:sldId id="261" r:id="rId8"/>
-    <p:sldId id="262" r:id="rId9"/>
+    <p:sldId id="269" r:id="rId6"/>
+    <p:sldId id="265" r:id="rId7"/>
+    <p:sldId id="266" r:id="rId8"/>
+    <p:sldId id="267" r:id="rId9"/>
+    <p:sldId id="268" r:id="rId10"/>
+    <p:sldId id="270" r:id="rId11"/>
+    <p:sldId id="260" r:id="rId12"/>
+    <p:sldId id="261" r:id="rId13"/>
+    <p:sldId id="262" r:id="rId14"/>
   </p:sldIdLst>
   <p:sldSz cx="12192000" cy="6858000"/>
   <p:notesSz cx="6858000" cy="9144000"/>
@@ -3085,6 +3090,396 @@
 </p:sld>
 </file>
 
+<file path=ppt/slides/slide10.xml><?xml version="1.0" encoding="utf-8"?>
+<p:sld xmlns:a="http://schemas.openxmlformats.org/drawingml/2006/main" xmlns:r="http://schemas.openxmlformats.org/officeDocument/2006/relationships" xmlns:p="http://schemas.openxmlformats.org/presentationml/2006/main">
+  <p:cSld>
+    <p:spTree>
+      <p:nvGrpSpPr>
+        <p:cNvPr id="1" name=""/>
+        <p:cNvGrpSpPr/>
+        <p:nvPr/>
+      </p:nvGrpSpPr>
+      <p:grpSpPr>
+        <a:xfrm>
+          <a:off x="0" y="0"/>
+          <a:ext cx="0" cy="0"/>
+          <a:chOff x="0" y="0"/>
+          <a:chExt cx="0" cy="0"/>
+        </a:xfrm>
+      </p:grpSpPr>
+      <p:sp>
+        <p:nvSpPr>
+          <p:cNvPr id="2" name="Title 1"/>
+          <p:cNvSpPr>
+            <a:spLocks noGrp="1"/>
+          </p:cNvSpPr>
+          <p:nvPr>
+            <p:ph type="title"/>
+          </p:nvPr>
+        </p:nvSpPr>
+        <p:spPr/>
+        <p:txBody>
+          <a:bodyPr/>
+          <a:lstStyle/>
+          <a:p>
+            <a:r>
+              <a:rPr lang="en-US" dirty="0" smtClean="0"/>
+              <a:t>Let's jump to the notebooks</a:t>
+            </a:r>
+            <a:r>
+              <a:rPr lang="mr-IN" dirty="0" smtClean="0"/>
+              <a:t>…</a:t>
+            </a:r>
+            <a:endParaRPr lang="en-US" dirty="0"/>
+          </a:p>
+        </p:txBody>
+      </p:sp>
+      <p:sp>
+        <p:nvSpPr>
+          <p:cNvPr id="3" name="Content Placeholder 2"/>
+          <p:cNvSpPr>
+            <a:spLocks noGrp="1"/>
+          </p:cNvSpPr>
+          <p:nvPr>
+            <p:ph idx="1"/>
+          </p:nvPr>
+        </p:nvSpPr>
+        <p:spPr/>
+        <p:txBody>
+          <a:bodyPr/>
+          <a:lstStyle/>
+          <a:p>
+            <a:r>
+              <a:rPr lang="en-US" dirty="0"/>
+              <a:t>https://</a:t>
+            </a:r>
+            <a:r>
+              <a:rPr lang="en-US" dirty="0" err="1"/>
+              <a:t>github.com</a:t>
+            </a:r>
+            <a:r>
+              <a:rPr lang="en-US" dirty="0"/>
+              <a:t>/</a:t>
+            </a:r>
+            <a:r>
+              <a:rPr lang="en-US" dirty="0" err="1"/>
+              <a:t>kingmolnar</a:t>
+            </a:r>
+            <a:r>
+              <a:rPr lang="en-US" dirty="0"/>
+              <a:t>/Structured-Unstructured-Data-Collection-Storage-Cleaning-Preprocessing</a:t>
+            </a:r>
+          </a:p>
+        </p:txBody>
+      </p:sp>
+    </p:spTree>
+    <p:extLst>
+      <p:ext uri="{BB962C8B-B14F-4D97-AF65-F5344CB8AC3E}">
+        <p14:creationId xmlns:p14="http://schemas.microsoft.com/office/powerpoint/2010/main" val="245822308"/>
+      </p:ext>
+    </p:extLst>
+  </p:cSld>
+  <p:clrMapOvr>
+    <a:masterClrMapping/>
+  </p:clrMapOvr>
+</p:sld>
+</file>
+
+<file path=ppt/slides/slide11.xml><?xml version="1.0" encoding="utf-8"?>
+<p:sld xmlns:a="http://schemas.openxmlformats.org/drawingml/2006/main" xmlns:r="http://schemas.openxmlformats.org/officeDocument/2006/relationships" xmlns:p="http://schemas.openxmlformats.org/presentationml/2006/main">
+  <p:cSld>
+    <p:spTree>
+      <p:nvGrpSpPr>
+        <p:cNvPr id="1" name=""/>
+        <p:cNvGrpSpPr/>
+        <p:nvPr/>
+      </p:nvGrpSpPr>
+      <p:grpSpPr>
+        <a:xfrm>
+          <a:off x="0" y="0"/>
+          <a:ext cx="0" cy="0"/>
+          <a:chOff x="0" y="0"/>
+          <a:chExt cx="0" cy="0"/>
+        </a:xfrm>
+      </p:grpSpPr>
+      <p:sp>
+        <p:nvSpPr>
+          <p:cNvPr id="2" name="Title 1"/>
+          <p:cNvSpPr>
+            <a:spLocks noGrp="1"/>
+          </p:cNvSpPr>
+          <p:nvPr>
+            <p:ph type="title"/>
+          </p:nvPr>
+        </p:nvSpPr>
+        <p:spPr/>
+        <p:txBody>
+          <a:bodyPr/>
+          <a:lstStyle/>
+          <a:p>
+            <a:r>
+              <a:rPr lang="en-US" dirty="0" smtClean="0"/>
+              <a:t>Session 2</a:t>
+            </a:r>
+            <a:endParaRPr lang="en-US" dirty="0"/>
+          </a:p>
+        </p:txBody>
+      </p:sp>
+      <p:sp>
+        <p:nvSpPr>
+          <p:cNvPr id="3" name="Content Placeholder 2"/>
+          <p:cNvSpPr>
+            <a:spLocks noGrp="1"/>
+          </p:cNvSpPr>
+          <p:nvPr>
+            <p:ph idx="1"/>
+          </p:nvPr>
+        </p:nvSpPr>
+        <p:spPr/>
+        <p:txBody>
+          <a:bodyPr/>
+          <a:lstStyle/>
+          <a:p>
+            <a:r>
+              <a:rPr lang="en-US" dirty="0"/>
+              <a:t>Preprocessing data formats like JSON, CSV, HTML/XML to repair corrupt files, extract and filter relevant information, or de-duplicate </a:t>
+            </a:r>
+            <a:r>
+              <a:rPr lang="en-US" dirty="0" smtClean="0"/>
+              <a:t>records</a:t>
+            </a:r>
+          </a:p>
+          <a:p>
+            <a:r>
+              <a:rPr lang="en-US" dirty="0" smtClean="0"/>
+              <a:t>Hands-on</a:t>
+            </a:r>
+            <a:r>
+              <a:rPr lang="en-US" dirty="0"/>
+              <a:t>: repairing several text files so that they comply the standard formats, extract data points using text processing tools (prior to loading them into Pandas, etc.)</a:t>
+            </a:r>
+          </a:p>
+          <a:p>
+            <a:r>
+              <a:rPr lang="en-US" dirty="0" smtClean="0"/>
+              <a:t/>
+            </a:r>
+            <a:br>
+              <a:rPr lang="en-US" dirty="0" smtClean="0"/>
+            </a:br>
+            <a:endParaRPr lang="en-US" dirty="0"/>
+          </a:p>
+        </p:txBody>
+      </p:sp>
+    </p:spTree>
+    <p:extLst>
+      <p:ext uri="{BB962C8B-B14F-4D97-AF65-F5344CB8AC3E}">
+        <p14:creationId xmlns:p14="http://schemas.microsoft.com/office/powerpoint/2010/main" val="688804295"/>
+      </p:ext>
+    </p:extLst>
+  </p:cSld>
+  <p:clrMapOvr>
+    <a:masterClrMapping/>
+  </p:clrMapOvr>
+</p:sld>
+</file>
+
+<file path=ppt/slides/slide12.xml><?xml version="1.0" encoding="utf-8"?>
+<p:sld xmlns:a="http://schemas.openxmlformats.org/drawingml/2006/main" xmlns:r="http://schemas.openxmlformats.org/officeDocument/2006/relationships" xmlns:p="http://schemas.openxmlformats.org/presentationml/2006/main">
+  <p:cSld>
+    <p:spTree>
+      <p:nvGrpSpPr>
+        <p:cNvPr id="1" name=""/>
+        <p:cNvGrpSpPr/>
+        <p:nvPr/>
+      </p:nvGrpSpPr>
+      <p:grpSpPr>
+        <a:xfrm>
+          <a:off x="0" y="0"/>
+          <a:ext cx="0" cy="0"/>
+          <a:chOff x="0" y="0"/>
+          <a:chExt cx="0" cy="0"/>
+        </a:xfrm>
+      </p:grpSpPr>
+      <p:sp>
+        <p:nvSpPr>
+          <p:cNvPr id="2" name="Title 1"/>
+          <p:cNvSpPr>
+            <a:spLocks noGrp="1"/>
+          </p:cNvSpPr>
+          <p:nvPr>
+            <p:ph type="title"/>
+          </p:nvPr>
+        </p:nvSpPr>
+        <p:spPr/>
+        <p:txBody>
+          <a:bodyPr/>
+          <a:lstStyle/>
+          <a:p>
+            <a:r>
+              <a:rPr lang="en-US" dirty="0" smtClean="0"/>
+              <a:t>Session 3</a:t>
+            </a:r>
+            <a:endParaRPr lang="en-US" dirty="0"/>
+          </a:p>
+        </p:txBody>
+      </p:sp>
+      <p:sp>
+        <p:nvSpPr>
+          <p:cNvPr id="3" name="Content Placeholder 2"/>
+          <p:cNvSpPr>
+            <a:spLocks noGrp="1"/>
+          </p:cNvSpPr>
+          <p:nvPr>
+            <p:ph idx="1"/>
+          </p:nvPr>
+        </p:nvSpPr>
+        <p:spPr/>
+        <p:txBody>
+          <a:bodyPr/>
+          <a:lstStyle/>
+          <a:p>
+            <a:r>
+              <a:rPr lang="en-US" dirty="0"/>
+              <a:t>Data cleaning and manipulation using packages Pandas, </a:t>
+            </a:r>
+            <a:r>
+              <a:rPr lang="en-US" dirty="0" err="1"/>
+              <a:t>NumPy</a:t>
+            </a:r>
+            <a:r>
+              <a:rPr lang="en-US" dirty="0"/>
+              <a:t> and other relevant Python packages, data visualization and visual inspection with </a:t>
+            </a:r>
+            <a:r>
+              <a:rPr lang="en-US" dirty="0" smtClean="0"/>
+              <a:t>Python</a:t>
+            </a:r>
+          </a:p>
+          <a:p>
+            <a:r>
+              <a:rPr lang="en-US" dirty="0" smtClean="0"/>
+              <a:t>Hands-on</a:t>
+            </a:r>
+            <a:r>
+              <a:rPr lang="en-US" dirty="0"/>
+              <a:t>: finding outliers, invalid values, coverage, calculate distributions of values and correct by scaling and normalization, visually inspect data sets.</a:t>
+            </a:r>
+          </a:p>
+          <a:p>
+            <a:r>
+              <a:rPr lang="en-US" dirty="0" smtClean="0"/>
+              <a:t/>
+            </a:r>
+            <a:br>
+              <a:rPr lang="en-US" dirty="0" smtClean="0"/>
+            </a:br>
+            <a:endParaRPr lang="en-US" dirty="0"/>
+          </a:p>
+        </p:txBody>
+      </p:sp>
+    </p:spTree>
+    <p:extLst>
+      <p:ext uri="{BB962C8B-B14F-4D97-AF65-F5344CB8AC3E}">
+        <p14:creationId xmlns:p14="http://schemas.microsoft.com/office/powerpoint/2010/main" val="1796928735"/>
+      </p:ext>
+    </p:extLst>
+  </p:cSld>
+  <p:clrMapOvr>
+    <a:masterClrMapping/>
+  </p:clrMapOvr>
+</p:sld>
+</file>
+
+<file path=ppt/slides/slide13.xml><?xml version="1.0" encoding="utf-8"?>
+<p:sld xmlns:a="http://schemas.openxmlformats.org/drawingml/2006/main" xmlns:r="http://schemas.openxmlformats.org/officeDocument/2006/relationships" xmlns:p="http://schemas.openxmlformats.org/presentationml/2006/main">
+  <p:cSld>
+    <p:spTree>
+      <p:nvGrpSpPr>
+        <p:cNvPr id="1" name=""/>
+        <p:cNvGrpSpPr/>
+        <p:nvPr/>
+      </p:nvGrpSpPr>
+      <p:grpSpPr>
+        <a:xfrm>
+          <a:off x="0" y="0"/>
+          <a:ext cx="0" cy="0"/>
+          <a:chOff x="0" y="0"/>
+          <a:chExt cx="0" cy="0"/>
+        </a:xfrm>
+      </p:grpSpPr>
+      <p:sp>
+        <p:nvSpPr>
+          <p:cNvPr id="2" name="Title 1"/>
+          <p:cNvSpPr>
+            <a:spLocks noGrp="1"/>
+          </p:cNvSpPr>
+          <p:nvPr>
+            <p:ph type="title"/>
+          </p:nvPr>
+        </p:nvSpPr>
+        <p:spPr/>
+        <p:txBody>
+          <a:bodyPr/>
+          <a:lstStyle/>
+          <a:p>
+            <a:r>
+              <a:rPr lang="en-US" dirty="0" smtClean="0"/>
+              <a:t>Session 4</a:t>
+            </a:r>
+            <a:endParaRPr lang="en-US" dirty="0"/>
+          </a:p>
+        </p:txBody>
+      </p:sp>
+      <p:sp>
+        <p:nvSpPr>
+          <p:cNvPr id="3" name="Content Placeholder 2"/>
+          <p:cNvSpPr>
+            <a:spLocks noGrp="1"/>
+          </p:cNvSpPr>
+          <p:nvPr>
+            <p:ph idx="1"/>
+          </p:nvPr>
+        </p:nvSpPr>
+        <p:spPr/>
+        <p:txBody>
+          <a:bodyPr/>
+          <a:lstStyle/>
+          <a:p>
+            <a:r>
+              <a:rPr lang="en-US" dirty="0"/>
+              <a:t>Practices and techniques to handle missing values in structured </a:t>
+            </a:r>
+            <a:r>
+              <a:rPr lang="en-US" dirty="0" smtClean="0"/>
+              <a:t>data;</a:t>
+            </a:r>
+          </a:p>
+          <a:p>
+            <a:r>
+              <a:rPr lang="en-US" dirty="0" smtClean="0"/>
+              <a:t>Hands-on</a:t>
+            </a:r>
+            <a:r>
+              <a:rPr lang="en-US" dirty="0"/>
+              <a:t>: impute values for data set with missing data, using nearest neighbors, probability distribution, etc.</a:t>
+            </a:r>
+          </a:p>
+        </p:txBody>
+      </p:sp>
+    </p:spTree>
+    <p:extLst>
+      <p:ext uri="{BB962C8B-B14F-4D97-AF65-F5344CB8AC3E}">
+        <p14:creationId xmlns:p14="http://schemas.microsoft.com/office/powerpoint/2010/main" val="1866686256"/>
+      </p:ext>
+    </p:extLst>
+  </p:cSld>
+  <p:clrMapOvr>
+    <a:masterClrMapping/>
+  </p:clrMapOvr>
+</p:sld>
+</file>
+
 <file path=ppt/slides/slide2.xml><?xml version="1.0" encoding="utf-8"?>
 <p:sld xmlns:a="http://schemas.openxmlformats.org/drawingml/2006/main" xmlns:r="http://schemas.openxmlformats.org/officeDocument/2006/relationships" xmlns:p="http://schemas.openxmlformats.org/presentationml/2006/main">
   <p:cSld>
@@ -3359,10 +3754,12 @@
             </a:r>
             <a:r>
               <a:rPr lang="en-US" dirty="0"/>
-              <a:t>: build a web crawler to harvest data from websites</a:t>
-            </a:r>
-          </a:p>
-          <a:p>
+              <a:t>: build a web crawler to harvest data from </a:t>
+            </a:r>
+            <a:r>
+              <a:rPr lang="en-US" dirty="0" smtClean="0"/>
+              <a:t>websites</a:t>
+            </a:r>
             <a:r>
               <a:rPr lang="en-US" dirty="0" smtClean="0"/>
               <a:t/>
@@ -3404,29 +3801,36 @@
           <a:chExt cx="0" cy="0"/>
         </a:xfrm>
       </p:grpSpPr>
-      <p:sp>
-        <p:nvSpPr>
-          <p:cNvPr id="2" name="Title 1"/>
-          <p:cNvSpPr>
-            <a:spLocks noGrp="1"/>
-          </p:cNvSpPr>
-          <p:nvPr>
-            <p:ph type="title"/>
-          </p:nvPr>
-        </p:nvSpPr>
-        <p:spPr/>
-        <p:txBody>
-          <a:bodyPr/>
-          <a:lstStyle/>
-          <a:p>
-            <a:r>
-              <a:rPr lang="en-US" dirty="0" smtClean="0"/>
-              <a:t>Brief History of the World Wide Web</a:t>
-            </a:r>
-            <a:endParaRPr lang="en-US" dirty="0"/>
-          </a:p>
-        </p:txBody>
-      </p:sp>
+      <p:pic>
+        <p:nvPicPr>
+          <p:cNvPr id="4" name="Picture 3"/>
+          <p:cNvPicPr>
+            <a:picLocks noChangeAspect="1"/>
+          </p:cNvPicPr>
+          <p:nvPr/>
+        </p:nvPicPr>
+        <p:blipFill>
+          <a:blip r:embed="rId2" cstate="screen">
+            <a:extLst>
+              <a:ext uri="{28A0092B-C50C-407E-A947-70E740481C1C}">
+                <a14:useLocalDpi xmlns:a14="http://schemas.microsoft.com/office/drawing/2010/main"/>
+              </a:ext>
+            </a:extLst>
+          </a:blip>
+          <a:stretch>
+            <a:fillRect/>
+          </a:stretch>
+        </p:blipFill>
+        <p:spPr>
+          <a:xfrm>
+            <a:off x="0" y="-762604"/>
+            <a:ext cx="12192000" cy="8056032"/>
+          </a:xfrm>
+          <a:prstGeom prst="rect">
+            <a:avLst/>
+          </a:prstGeom>
+        </p:spPr>
+      </p:pic>
       <p:sp>
         <p:nvSpPr>
           <p:cNvPr id="3" name="Content Placeholder 2"/>
@@ -3437,21 +3841,34 @@
             <p:ph idx="1"/>
           </p:nvPr>
         </p:nvSpPr>
-        <p:spPr/>
-        <p:txBody>
-          <a:bodyPr/>
-          <a:lstStyle/>
-          <a:p>
-            <a:r>
-              <a:rPr lang="en-US" dirty="0" smtClean="0"/>
-              <a:t>HTML</a:t>
-            </a:r>
-          </a:p>
-          <a:p>
-            <a:r>
-              <a:rPr lang="en-US" dirty="0" smtClean="0"/>
-              <a:t>Links </a:t>
-            </a:r>
+        <p:spPr>
+          <a:xfrm>
+            <a:off x="7489374" y="0"/>
+            <a:ext cx="4539343" cy="489858"/>
+          </a:xfrm>
+        </p:spPr>
+        <p:txBody>
+          <a:bodyPr/>
+          <a:lstStyle/>
+          <a:p>
+            <a:pPr marL="0" indent="0">
+              <a:buNone/>
+            </a:pPr>
+            <a:r>
+              <a:rPr lang="en-US" dirty="0" smtClean="0">
+                <a:solidFill>
+                  <a:srgbClr val="FF0000"/>
+                </a:solidFill>
+              </a:rPr>
+              <a:t>1989 first web-server at CERN</a:t>
+            </a:r>
+            <a:endParaRPr lang="en-US" dirty="0" smtClean="0">
+              <a:solidFill>
+                <a:srgbClr val="FF0000"/>
+              </a:solidFill>
+            </a:endParaRPr>
+          </a:p>
+          <a:p>
             <a:endParaRPr lang="en-US" dirty="0"/>
           </a:p>
         </p:txBody>
@@ -3501,7 +3918,11 @@
           <a:bodyPr/>
           <a:lstStyle/>
           <a:p>
-            <a:endParaRPr lang="en-US"/>
+            <a:r>
+              <a:rPr lang="en-US" dirty="0" smtClean="0"/>
+              <a:t>Hyper Text Transfer Protocol HTTP</a:t>
+            </a:r>
+            <a:endParaRPr lang="en-US" dirty="0"/>
           </a:p>
         </p:txBody>
       </p:sp>
@@ -3522,1810 +3943,52 @@
           <a:p>
             <a:r>
               <a:rPr lang="en-US" dirty="0"/>
-              <a:t>3348 Peachtree Rd </a:t>
-            </a:r>
-            <a:r>
-              <a:rPr lang="en-US" dirty="0" smtClean="0"/>
-              <a:t>NE</a:t>
-            </a:r>
-          </a:p>
-          <a:p>
-            <a:r>
-              <a:rPr lang="en-US" dirty="0" smtClean="0"/>
-              <a:t>Atlanta</a:t>
+              <a:t>https://</a:t>
+            </a:r>
+            <a:r>
+              <a:rPr lang="en-US" dirty="0" err="1"/>
+              <a:t>en.wikipedia.org</a:t>
             </a:r>
             <a:r>
               <a:rPr lang="en-US" dirty="0"/>
-              <a:t>, GA </a:t>
-            </a:r>
-            <a:r>
-              <a:rPr lang="en-US" dirty="0" smtClean="0"/>
-              <a:t>30326</a:t>
-            </a:r>
-          </a:p>
-          <a:p>
-            <a:r>
-              <a:rPr lang="en-US" dirty="0"/>
-              <a:t>http://</a:t>
-            </a:r>
-            <a:r>
-              <a:rPr lang="en-US" dirty="0" smtClean="0"/>
-              <a:t>qpublic9.qpublic.net/</a:t>
-            </a:r>
-            <a:r>
-              <a:rPr lang="en-US" dirty="0" err="1" smtClean="0"/>
-              <a:t>ga_display_dw.php?county</a:t>
-            </a:r>
-            <a:r>
-              <a:rPr lang="en-US" dirty="0" smtClean="0"/>
-              <a:t>=</a:t>
-            </a:r>
-            <a:r>
-              <a:rPr lang="en-US" dirty="0" err="1" smtClean="0"/>
-              <a:t>ga_fulton&amp;KEY</a:t>
-            </a:r>
-            <a:r>
-              <a:rPr lang="en-US" dirty="0" smtClean="0"/>
-              <a:t>=17%200062%20%20LL0448</a:t>
-            </a:r>
-          </a:p>
-          <a:p>
+              <a:t>/wiki/</a:t>
+            </a:r>
+            <a:r>
+              <a:rPr lang="en-US" dirty="0" err="1"/>
+              <a:t>Hypertext_Transfer_Protocol</a:t>
+            </a:r>
             <a:endParaRPr lang="en-US" dirty="0"/>
           </a:p>
         </p:txBody>
       </p:sp>
-      <p:graphicFrame>
-        <p:nvGraphicFramePr>
-          <p:cNvPr id="4" name="Table 3"/>
-          <p:cNvGraphicFramePr>
-            <a:graphicFrameLocks noGrp="1"/>
-          </p:cNvGraphicFramePr>
-          <p:nvPr>
-            <p:extLst>
-              <p:ext uri="{D42A27DB-BD31-4B8C-83A1-F6EECF244321}">
-                <p14:modId xmlns:p14="http://schemas.microsoft.com/office/powerpoint/2010/main" val="781883453"/>
-              </p:ext>
-            </p:extLst>
-          </p:nvPr>
-        </p:nvGraphicFramePr>
-        <p:xfrm>
-          <a:off x="1260474" y="3392423"/>
-          <a:ext cx="9671052" cy="2631749"/>
-        </p:xfrm>
-        <a:graphic>
-          <a:graphicData uri="http://schemas.openxmlformats.org/drawingml/2006/table">
-            <a:tbl>
-              <a:tblPr/>
-              <a:tblGrid>
-                <a:gridCol w="2417763"/>
-                <a:gridCol w="2417763"/>
-                <a:gridCol w="2417763"/>
-                <a:gridCol w="2417763"/>
-              </a:tblGrid>
-              <a:tr h="400792">
-                <a:tc>
-                  <a:txBody>
-                    <a:bodyPr/>
-                    <a:lstStyle/>
-                    <a:p>
-                      <a:r>
-                        <a:rPr lang="en-US" sz="1200" b="1">
-                          <a:solidFill>
-                            <a:srgbClr val="000000"/>
-                          </a:solidFill>
-                          <a:effectLst/>
-                          <a:latin typeface="Verdana" charset="0"/>
-                        </a:rPr>
-                        <a:t>Owner Name</a:t>
-                      </a:r>
-                    </a:p>
-                  </a:txBody>
-                  <a:tcPr marL="12700" marR="12700" marT="12700" marB="12700" anchor="ctr">
-                    <a:lnL w="6350" cap="flat" cmpd="sng" algn="ctr">
-                      <a:solidFill>
-                        <a:srgbClr val="C0C0C0"/>
-                      </a:solidFill>
-                      <a:prstDash val="solid"/>
-                      <a:round/>
-                      <a:headEnd type="none" w="med" len="med"/>
-                      <a:tailEnd type="none" w="med" len="med"/>
-                    </a:lnL>
-                    <a:lnR w="6350" cap="flat" cmpd="sng" algn="ctr">
-                      <a:solidFill>
-                        <a:srgbClr val="C0C0C0"/>
-                      </a:solidFill>
-                      <a:prstDash val="solid"/>
-                      <a:round/>
-                      <a:headEnd type="none" w="med" len="med"/>
-                      <a:tailEnd type="none" w="med" len="med"/>
-                    </a:lnR>
-                    <a:lnT w="6350" cap="flat" cmpd="sng" algn="ctr">
-                      <a:solidFill>
-                        <a:srgbClr val="C0C0C0"/>
-                      </a:solidFill>
-                      <a:prstDash val="solid"/>
-                      <a:round/>
-                      <a:headEnd type="none" w="med" len="med"/>
-                      <a:tailEnd type="none" w="med" len="med"/>
-                    </a:lnT>
-                    <a:lnB w="6350" cap="flat" cmpd="sng" algn="ctr">
-                      <a:solidFill>
-                        <a:srgbClr val="C0C0C0"/>
-                      </a:solidFill>
-                      <a:prstDash val="solid"/>
-                      <a:round/>
-                      <a:headEnd type="none" w="med" len="med"/>
-                      <a:tailEnd type="none" w="med" len="med"/>
-                    </a:lnB>
-                  </a:tcPr>
-                </a:tc>
-                <a:tc>
-                  <a:txBody>
-                    <a:bodyPr/>
-                    <a:lstStyle/>
-                    <a:p>
-                      <a:r>
-                        <a:rPr lang="en-US" sz="1200">
-                          <a:solidFill>
-                            <a:srgbClr val="000000"/>
-                          </a:solidFill>
-                          <a:effectLst/>
-                          <a:latin typeface="Verdana" charset="0"/>
-                        </a:rPr>
-                        <a:t> COUSINS TOWER PLACE 200 LLC </a:t>
-                      </a:r>
-                    </a:p>
-                  </a:txBody>
-                  <a:tcPr marL="12700" marR="12700" marT="12700" marB="12700" anchor="ctr">
-                    <a:lnL w="6350" cap="flat" cmpd="sng" algn="ctr">
-                      <a:solidFill>
-                        <a:srgbClr val="C0C0C0"/>
-                      </a:solidFill>
-                      <a:prstDash val="solid"/>
-                      <a:round/>
-                      <a:headEnd type="none" w="med" len="med"/>
-                      <a:tailEnd type="none" w="med" len="med"/>
-                    </a:lnL>
-                    <a:lnR w="6350" cap="flat" cmpd="sng" algn="ctr">
-                      <a:solidFill>
-                        <a:srgbClr val="C0C0C0"/>
-                      </a:solidFill>
-                      <a:prstDash val="solid"/>
-                      <a:round/>
-                      <a:headEnd type="none" w="med" len="med"/>
-                      <a:tailEnd type="none" w="med" len="med"/>
-                    </a:lnR>
-                    <a:lnT w="6350" cap="flat" cmpd="sng" algn="ctr">
-                      <a:solidFill>
-                        <a:srgbClr val="C0C0C0"/>
-                      </a:solidFill>
-                      <a:prstDash val="solid"/>
-                      <a:round/>
-                      <a:headEnd type="none" w="med" len="med"/>
-                      <a:tailEnd type="none" w="med" len="med"/>
-                    </a:lnT>
-                    <a:lnB w="6350" cap="flat" cmpd="sng" algn="ctr">
-                      <a:solidFill>
-                        <a:srgbClr val="C0C0C0"/>
-                      </a:solidFill>
-                      <a:prstDash val="solid"/>
-                      <a:round/>
-                      <a:headEnd type="none" w="med" len="med"/>
-                      <a:tailEnd type="none" w="med" len="med"/>
-                    </a:lnB>
-                  </a:tcPr>
-                </a:tc>
-                <a:tc>
-                  <a:txBody>
-                    <a:bodyPr/>
-                    <a:lstStyle/>
-                    <a:p>
-                      <a:r>
-                        <a:rPr lang="en-US" sz="1200" b="1">
-                          <a:solidFill>
-                            <a:srgbClr val="000000"/>
-                          </a:solidFill>
-                          <a:effectLst/>
-                          <a:latin typeface="Verdana" charset="0"/>
-                        </a:rPr>
-                        <a:t>Today's Date</a:t>
-                      </a:r>
-                    </a:p>
-                  </a:txBody>
-                  <a:tcPr marL="12700" marR="12700" marT="12700" marB="12700" anchor="ctr">
-                    <a:lnL w="6350" cap="flat" cmpd="sng" algn="ctr">
-                      <a:solidFill>
-                        <a:srgbClr val="C0C0C0"/>
-                      </a:solidFill>
-                      <a:prstDash val="solid"/>
-                      <a:round/>
-                      <a:headEnd type="none" w="med" len="med"/>
-                      <a:tailEnd type="none" w="med" len="med"/>
-                    </a:lnL>
-                    <a:lnR w="6350" cap="flat" cmpd="sng" algn="ctr">
-                      <a:solidFill>
-                        <a:srgbClr val="C0C0C0"/>
-                      </a:solidFill>
-                      <a:prstDash val="solid"/>
-                      <a:round/>
-                      <a:headEnd type="none" w="med" len="med"/>
-                      <a:tailEnd type="none" w="med" len="med"/>
-                    </a:lnR>
-                    <a:lnT w="6350" cap="flat" cmpd="sng" algn="ctr">
-                      <a:solidFill>
-                        <a:srgbClr val="C0C0C0"/>
-                      </a:solidFill>
-                      <a:prstDash val="solid"/>
-                      <a:round/>
-                      <a:headEnd type="none" w="med" len="med"/>
-                      <a:tailEnd type="none" w="med" len="med"/>
-                    </a:lnT>
-                    <a:lnB w="6350" cap="flat" cmpd="sng" algn="ctr">
-                      <a:solidFill>
-                        <a:srgbClr val="C0C0C0"/>
-                      </a:solidFill>
-                      <a:prstDash val="solid"/>
-                      <a:round/>
-                      <a:headEnd type="none" w="med" len="med"/>
-                      <a:tailEnd type="none" w="med" len="med"/>
-                    </a:lnB>
-                  </a:tcPr>
-                </a:tc>
-                <a:tc>
-                  <a:txBody>
-                    <a:bodyPr/>
-                    <a:lstStyle/>
-                    <a:p>
-                      <a:r>
-                        <a:rPr lang="en-US" sz="1200">
-                          <a:solidFill>
-                            <a:srgbClr val="000000"/>
-                          </a:solidFill>
-                          <a:effectLst/>
-                          <a:latin typeface="Verdana" charset="0"/>
-                        </a:rPr>
-                        <a:t> January 17, 2018 </a:t>
-                      </a:r>
-                    </a:p>
-                  </a:txBody>
-                  <a:tcPr marL="12700" marR="12700" marT="12700" marB="12700" anchor="ctr">
-                    <a:lnL w="6350" cap="flat" cmpd="sng" algn="ctr">
-                      <a:solidFill>
-                        <a:srgbClr val="C0C0C0"/>
-                      </a:solidFill>
-                      <a:prstDash val="solid"/>
-                      <a:round/>
-                      <a:headEnd type="none" w="med" len="med"/>
-                      <a:tailEnd type="none" w="med" len="med"/>
-                    </a:lnL>
-                    <a:lnR w="6350" cap="flat" cmpd="sng" algn="ctr">
-                      <a:solidFill>
-                        <a:srgbClr val="C0C0C0"/>
-                      </a:solidFill>
-                      <a:prstDash val="solid"/>
-                      <a:round/>
-                      <a:headEnd type="none" w="med" len="med"/>
-                      <a:tailEnd type="none" w="med" len="med"/>
-                    </a:lnR>
-                    <a:lnT w="6350" cap="flat" cmpd="sng" algn="ctr">
-                      <a:solidFill>
-                        <a:srgbClr val="C0C0C0"/>
-                      </a:solidFill>
-                      <a:prstDash val="solid"/>
-                      <a:round/>
-                      <a:headEnd type="none" w="med" len="med"/>
-                      <a:tailEnd type="none" w="med" len="med"/>
-                    </a:lnT>
-                    <a:lnB w="6350" cap="flat" cmpd="sng" algn="ctr">
-                      <a:solidFill>
-                        <a:srgbClr val="C0C0C0"/>
-                      </a:solidFill>
-                      <a:prstDash val="solid"/>
-                      <a:round/>
-                      <a:headEnd type="none" w="med" len="med"/>
-                      <a:tailEnd type="none" w="med" len="med"/>
-                    </a:lnB>
-                  </a:tcPr>
-                </a:tc>
-              </a:tr>
-              <a:tr h="400792">
-                <a:tc>
-                  <a:txBody>
-                    <a:bodyPr/>
-                    <a:lstStyle/>
-                    <a:p>
-                      <a:r>
-                        <a:rPr lang="en-US" sz="1200" b="1">
-                          <a:solidFill>
-                            <a:srgbClr val="000000"/>
-                          </a:solidFill>
-                          <a:effectLst/>
-                          <a:latin typeface="Verdana" charset="0"/>
-                        </a:rPr>
-                        <a:t>Mailing Address  </a:t>
-                      </a:r>
-                    </a:p>
-                  </a:txBody>
-                  <a:tcPr marL="12700" marR="12700" marT="12700" marB="12700" anchor="ctr">
-                    <a:lnL w="6350" cap="flat" cmpd="sng" algn="ctr">
-                      <a:solidFill>
-                        <a:srgbClr val="C0C0C0"/>
-                      </a:solidFill>
-                      <a:prstDash val="solid"/>
-                      <a:round/>
-                      <a:headEnd type="none" w="med" len="med"/>
-                      <a:tailEnd type="none" w="med" len="med"/>
-                    </a:lnL>
-                    <a:lnR w="6350" cap="flat" cmpd="sng" algn="ctr">
-                      <a:solidFill>
-                        <a:srgbClr val="C0C0C0"/>
-                      </a:solidFill>
-                      <a:prstDash val="solid"/>
-                      <a:round/>
-                      <a:headEnd type="none" w="med" len="med"/>
-                      <a:tailEnd type="none" w="med" len="med"/>
-                    </a:lnR>
-                    <a:lnT w="6350" cap="flat" cmpd="sng" algn="ctr">
-                      <a:solidFill>
-                        <a:srgbClr val="C0C0C0"/>
-                      </a:solidFill>
-                      <a:prstDash val="solid"/>
-                      <a:round/>
-                      <a:headEnd type="none" w="med" len="med"/>
-                      <a:tailEnd type="none" w="med" len="med"/>
-                    </a:lnT>
-                    <a:lnB w="6350" cap="flat" cmpd="sng" algn="ctr">
-                      <a:solidFill>
-                        <a:srgbClr val="C0C0C0"/>
-                      </a:solidFill>
-                      <a:prstDash val="solid"/>
-                      <a:round/>
-                      <a:headEnd type="none" w="med" len="med"/>
-                      <a:tailEnd type="none" w="med" len="med"/>
-                    </a:lnB>
-                  </a:tcPr>
-                </a:tc>
-                <a:tc>
-                  <a:txBody>
-                    <a:bodyPr/>
-                    <a:lstStyle/>
-                    <a:p>
-                      <a:r>
-                        <a:rPr lang="en-US" sz="1200">
-                          <a:solidFill>
-                            <a:srgbClr val="000000"/>
-                          </a:solidFill>
-                          <a:effectLst/>
-                          <a:latin typeface="Verdana" charset="0"/>
-                        </a:rPr>
-                        <a:t> 3344 PEACHTREE RD NE SUITE 1800 </a:t>
-                      </a:r>
-                    </a:p>
-                  </a:txBody>
-                  <a:tcPr marL="12700" marR="12700" marT="12700" marB="12700" anchor="ctr">
-                    <a:lnL w="6350" cap="flat" cmpd="sng" algn="ctr">
-                      <a:solidFill>
-                        <a:srgbClr val="C0C0C0"/>
-                      </a:solidFill>
-                      <a:prstDash val="solid"/>
-                      <a:round/>
-                      <a:headEnd type="none" w="med" len="med"/>
-                      <a:tailEnd type="none" w="med" len="med"/>
-                    </a:lnL>
-                    <a:lnR w="6350" cap="flat" cmpd="sng" algn="ctr">
-                      <a:solidFill>
-                        <a:srgbClr val="C0C0C0"/>
-                      </a:solidFill>
-                      <a:prstDash val="solid"/>
-                      <a:round/>
-                      <a:headEnd type="none" w="med" len="med"/>
-                      <a:tailEnd type="none" w="med" len="med"/>
-                    </a:lnR>
-                    <a:lnT w="6350" cap="flat" cmpd="sng" algn="ctr">
-                      <a:solidFill>
-                        <a:srgbClr val="C0C0C0"/>
-                      </a:solidFill>
-                      <a:prstDash val="solid"/>
-                      <a:round/>
-                      <a:headEnd type="none" w="med" len="med"/>
-                      <a:tailEnd type="none" w="med" len="med"/>
-                    </a:lnT>
-                    <a:lnB w="6350" cap="flat" cmpd="sng" algn="ctr">
-                      <a:solidFill>
-                        <a:srgbClr val="C0C0C0"/>
-                      </a:solidFill>
-                      <a:prstDash val="solid"/>
-                      <a:round/>
-                      <a:headEnd type="none" w="med" len="med"/>
-                      <a:tailEnd type="none" w="med" len="med"/>
-                    </a:lnB>
-                  </a:tcPr>
-                </a:tc>
-                <a:tc>
-                  <a:txBody>
-                    <a:bodyPr/>
-                    <a:lstStyle/>
-                    <a:p>
-                      <a:r>
-                        <a:rPr lang="en-US" sz="1200" b="1">
-                          <a:solidFill>
-                            <a:srgbClr val="000000"/>
-                          </a:solidFill>
-                          <a:effectLst/>
-                          <a:latin typeface="Verdana" charset="0"/>
-                        </a:rPr>
-                        <a:t>Parcel Number</a:t>
-                      </a:r>
-                    </a:p>
-                  </a:txBody>
-                  <a:tcPr marL="12700" marR="12700" marT="12700" marB="12700" anchor="ctr">
-                    <a:lnL w="6350" cap="flat" cmpd="sng" algn="ctr">
-                      <a:solidFill>
-                        <a:srgbClr val="C0C0C0"/>
-                      </a:solidFill>
-                      <a:prstDash val="solid"/>
-                      <a:round/>
-                      <a:headEnd type="none" w="med" len="med"/>
-                      <a:tailEnd type="none" w="med" len="med"/>
-                    </a:lnL>
-                    <a:lnR w="6350" cap="flat" cmpd="sng" algn="ctr">
-                      <a:solidFill>
-                        <a:srgbClr val="C0C0C0"/>
-                      </a:solidFill>
-                      <a:prstDash val="solid"/>
-                      <a:round/>
-                      <a:headEnd type="none" w="med" len="med"/>
-                      <a:tailEnd type="none" w="med" len="med"/>
-                    </a:lnR>
-                    <a:lnT w="6350" cap="flat" cmpd="sng" algn="ctr">
-                      <a:solidFill>
-                        <a:srgbClr val="C0C0C0"/>
-                      </a:solidFill>
-                      <a:prstDash val="solid"/>
-                      <a:round/>
-                      <a:headEnd type="none" w="med" len="med"/>
-                      <a:tailEnd type="none" w="med" len="med"/>
-                    </a:lnT>
-                    <a:lnB w="6350" cap="flat" cmpd="sng" algn="ctr">
-                      <a:solidFill>
-                        <a:srgbClr val="C0C0C0"/>
-                      </a:solidFill>
-                      <a:prstDash val="solid"/>
-                      <a:round/>
-                      <a:headEnd type="none" w="med" len="med"/>
-                      <a:tailEnd type="none" w="med" len="med"/>
-                    </a:lnB>
-                  </a:tcPr>
-                </a:tc>
-                <a:tc>
-                  <a:txBody>
-                    <a:bodyPr/>
-                    <a:lstStyle/>
-                    <a:p>
-                      <a:r>
-                        <a:rPr lang="is-IS" sz="1200">
-                          <a:solidFill>
-                            <a:srgbClr val="000000"/>
-                          </a:solidFill>
-                          <a:effectLst/>
-                          <a:latin typeface="Verdana" charset="0"/>
-                        </a:rPr>
-                        <a:t> 17 0062 LL0448 </a:t>
-                      </a:r>
-                    </a:p>
-                  </a:txBody>
-                  <a:tcPr marL="12700" marR="12700" marT="12700" marB="12700" anchor="ctr">
-                    <a:lnL w="6350" cap="flat" cmpd="sng" algn="ctr">
-                      <a:solidFill>
-                        <a:srgbClr val="C0C0C0"/>
-                      </a:solidFill>
-                      <a:prstDash val="solid"/>
-                      <a:round/>
-                      <a:headEnd type="none" w="med" len="med"/>
-                      <a:tailEnd type="none" w="med" len="med"/>
-                    </a:lnL>
-                    <a:lnR w="6350" cap="flat" cmpd="sng" algn="ctr">
-                      <a:solidFill>
-                        <a:srgbClr val="C0C0C0"/>
-                      </a:solidFill>
-                      <a:prstDash val="solid"/>
-                      <a:round/>
-                      <a:headEnd type="none" w="med" len="med"/>
-                      <a:tailEnd type="none" w="med" len="med"/>
-                    </a:lnR>
-                    <a:lnT w="6350" cap="flat" cmpd="sng" algn="ctr">
-                      <a:solidFill>
-                        <a:srgbClr val="C0C0C0"/>
-                      </a:solidFill>
-                      <a:prstDash val="solid"/>
-                      <a:round/>
-                      <a:headEnd type="none" w="med" len="med"/>
-                      <a:tailEnd type="none" w="med" len="med"/>
-                    </a:lnT>
-                    <a:lnB w="6350" cap="flat" cmpd="sng" algn="ctr">
-                      <a:solidFill>
-                        <a:srgbClr val="C0C0C0"/>
-                      </a:solidFill>
-                      <a:prstDash val="solid"/>
-                      <a:round/>
-                      <a:headEnd type="none" w="med" len="med"/>
-                      <a:tailEnd type="none" w="med" len="med"/>
-                    </a:lnB>
-                  </a:tcPr>
-                </a:tc>
-              </a:tr>
-              <a:tr h="400792">
-                <a:tc>
-                  <a:txBody>
-                    <a:bodyPr/>
-                    <a:lstStyle/>
-                    <a:p>
-                      <a:r>
-                        <a:rPr lang="sk-SK" sz="1200" b="1">
-                          <a:solidFill>
-                            <a:srgbClr val="000000"/>
-                          </a:solidFill>
-                          <a:effectLst/>
-                          <a:latin typeface="Verdana" charset="0"/>
-                        </a:rPr>
-                        <a:t> </a:t>
-                      </a:r>
-                    </a:p>
-                  </a:txBody>
-                  <a:tcPr marL="12700" marR="12700" marT="12700" marB="12700" anchor="ctr">
-                    <a:lnL w="6350" cap="flat" cmpd="sng" algn="ctr">
-                      <a:solidFill>
-                        <a:srgbClr val="C0C0C0"/>
-                      </a:solidFill>
-                      <a:prstDash val="solid"/>
-                      <a:round/>
-                      <a:headEnd type="none" w="med" len="med"/>
-                      <a:tailEnd type="none" w="med" len="med"/>
-                    </a:lnL>
-                    <a:lnR w="6350" cap="flat" cmpd="sng" algn="ctr">
-                      <a:solidFill>
-                        <a:srgbClr val="C0C0C0"/>
-                      </a:solidFill>
-                      <a:prstDash val="solid"/>
-                      <a:round/>
-                      <a:headEnd type="none" w="med" len="med"/>
-                      <a:tailEnd type="none" w="med" len="med"/>
-                    </a:lnR>
-                    <a:lnT w="6350" cap="flat" cmpd="sng" algn="ctr">
-                      <a:solidFill>
-                        <a:srgbClr val="C0C0C0"/>
-                      </a:solidFill>
-                      <a:prstDash val="solid"/>
-                      <a:round/>
-                      <a:headEnd type="none" w="med" len="med"/>
-                      <a:tailEnd type="none" w="med" len="med"/>
-                    </a:lnT>
-                    <a:lnB w="6350" cap="flat" cmpd="sng" algn="ctr">
-                      <a:solidFill>
-                        <a:srgbClr val="C0C0C0"/>
-                      </a:solidFill>
-                      <a:prstDash val="solid"/>
-                      <a:round/>
-                      <a:headEnd type="none" w="med" len="med"/>
-                      <a:tailEnd type="none" w="med" len="med"/>
-                    </a:lnB>
-                  </a:tcPr>
-                </a:tc>
-                <a:tc>
-                  <a:txBody>
-                    <a:bodyPr/>
-                    <a:lstStyle/>
-                    <a:p>
-                      <a:r>
-                        <a:rPr lang="sk-SK" sz="1200">
-                          <a:solidFill>
-                            <a:srgbClr val="000000"/>
-                          </a:solidFill>
-                          <a:effectLst/>
-                          <a:latin typeface="Verdana" charset="0"/>
-                        </a:rPr>
-                        <a:t> ATLANTA, GA 30326 </a:t>
-                      </a:r>
-                    </a:p>
-                  </a:txBody>
-                  <a:tcPr marL="12700" marR="12700" marT="12700" marB="12700" anchor="ctr">
-                    <a:lnL w="6350" cap="flat" cmpd="sng" algn="ctr">
-                      <a:solidFill>
-                        <a:srgbClr val="C0C0C0"/>
-                      </a:solidFill>
-                      <a:prstDash val="solid"/>
-                      <a:round/>
-                      <a:headEnd type="none" w="med" len="med"/>
-                      <a:tailEnd type="none" w="med" len="med"/>
-                    </a:lnL>
-                    <a:lnR w="6350" cap="flat" cmpd="sng" algn="ctr">
-                      <a:solidFill>
-                        <a:srgbClr val="C0C0C0"/>
-                      </a:solidFill>
-                      <a:prstDash val="solid"/>
-                      <a:round/>
-                      <a:headEnd type="none" w="med" len="med"/>
-                      <a:tailEnd type="none" w="med" len="med"/>
-                    </a:lnR>
-                    <a:lnT w="6350" cap="flat" cmpd="sng" algn="ctr">
-                      <a:solidFill>
-                        <a:srgbClr val="C0C0C0"/>
-                      </a:solidFill>
-                      <a:prstDash val="solid"/>
-                      <a:round/>
-                      <a:headEnd type="none" w="med" len="med"/>
-                      <a:tailEnd type="none" w="med" len="med"/>
-                    </a:lnT>
-                    <a:lnB w="6350" cap="flat" cmpd="sng" algn="ctr">
-                      <a:solidFill>
-                        <a:srgbClr val="C0C0C0"/>
-                      </a:solidFill>
-                      <a:prstDash val="solid"/>
-                      <a:round/>
-                      <a:headEnd type="none" w="med" len="med"/>
-                      <a:tailEnd type="none" w="med" len="med"/>
-                    </a:lnB>
-                  </a:tcPr>
-                </a:tc>
-                <a:tc>
-                  <a:txBody>
-                    <a:bodyPr/>
-                    <a:lstStyle/>
-                    <a:p>
-                      <a:r>
-                        <a:rPr lang="en-US" sz="1200" b="1">
-                          <a:solidFill>
-                            <a:srgbClr val="000000"/>
-                          </a:solidFill>
-                          <a:effectLst/>
-                          <a:latin typeface="Verdana" charset="0"/>
-                        </a:rPr>
-                        <a:t>Tax District</a:t>
-                      </a:r>
-                    </a:p>
-                  </a:txBody>
-                  <a:tcPr marL="12700" marR="12700" marT="12700" marB="12700" anchor="ctr">
-                    <a:lnL w="6350" cap="flat" cmpd="sng" algn="ctr">
-                      <a:solidFill>
-                        <a:srgbClr val="C0C0C0"/>
-                      </a:solidFill>
-                      <a:prstDash val="solid"/>
-                      <a:round/>
-                      <a:headEnd type="none" w="med" len="med"/>
-                      <a:tailEnd type="none" w="med" len="med"/>
-                    </a:lnL>
-                    <a:lnR w="6350" cap="flat" cmpd="sng" algn="ctr">
-                      <a:solidFill>
-                        <a:srgbClr val="C0C0C0"/>
-                      </a:solidFill>
-                      <a:prstDash val="solid"/>
-                      <a:round/>
-                      <a:headEnd type="none" w="med" len="med"/>
-                      <a:tailEnd type="none" w="med" len="med"/>
-                    </a:lnR>
-                    <a:lnT w="6350" cap="flat" cmpd="sng" algn="ctr">
-                      <a:solidFill>
-                        <a:srgbClr val="C0C0C0"/>
-                      </a:solidFill>
-                      <a:prstDash val="solid"/>
-                      <a:round/>
-                      <a:headEnd type="none" w="med" len="med"/>
-                      <a:tailEnd type="none" w="med" len="med"/>
-                    </a:lnT>
-                    <a:lnB w="6350" cap="flat" cmpd="sng" algn="ctr">
-                      <a:solidFill>
-                        <a:srgbClr val="C0C0C0"/>
-                      </a:solidFill>
-                      <a:prstDash val="solid"/>
-                      <a:round/>
-                      <a:headEnd type="none" w="med" len="med"/>
-                      <a:tailEnd type="none" w="med" len="med"/>
-                    </a:lnB>
-                  </a:tcPr>
-                </a:tc>
-                <a:tc>
-                  <a:txBody>
-                    <a:bodyPr/>
-                    <a:lstStyle/>
-                    <a:p>
-                      <a:r>
-                        <a:rPr lang="is-IS" sz="1200">
-                          <a:solidFill>
-                            <a:srgbClr val="000000"/>
-                          </a:solidFill>
-                          <a:effectLst/>
-                          <a:latin typeface="Verdana" charset="0"/>
-                        </a:rPr>
-                        <a:t> 05B  </a:t>
-                      </a:r>
-                    </a:p>
-                  </a:txBody>
-                  <a:tcPr marL="12700" marR="12700" marT="12700" marB="12700" anchor="ctr">
-                    <a:lnL w="6350" cap="flat" cmpd="sng" algn="ctr">
-                      <a:solidFill>
-                        <a:srgbClr val="C0C0C0"/>
-                      </a:solidFill>
-                      <a:prstDash val="solid"/>
-                      <a:round/>
-                      <a:headEnd type="none" w="med" len="med"/>
-                      <a:tailEnd type="none" w="med" len="med"/>
-                    </a:lnL>
-                    <a:lnR w="6350" cap="flat" cmpd="sng" algn="ctr">
-                      <a:solidFill>
-                        <a:srgbClr val="C0C0C0"/>
-                      </a:solidFill>
-                      <a:prstDash val="solid"/>
-                      <a:round/>
-                      <a:headEnd type="none" w="med" len="med"/>
-                      <a:tailEnd type="none" w="med" len="med"/>
-                    </a:lnR>
-                    <a:lnT w="6350" cap="flat" cmpd="sng" algn="ctr">
-                      <a:solidFill>
-                        <a:srgbClr val="C0C0C0"/>
-                      </a:solidFill>
-                      <a:prstDash val="solid"/>
-                      <a:round/>
-                      <a:headEnd type="none" w="med" len="med"/>
-                      <a:tailEnd type="none" w="med" len="med"/>
-                    </a:lnT>
-                    <a:lnB w="6350" cap="flat" cmpd="sng" algn="ctr">
-                      <a:solidFill>
-                        <a:srgbClr val="C0C0C0"/>
-                      </a:solidFill>
-                      <a:prstDash val="solid"/>
-                      <a:round/>
-                      <a:headEnd type="none" w="med" len="med"/>
-                      <a:tailEnd type="none" w="med" len="med"/>
-                    </a:lnB>
-                  </a:tcPr>
-                </a:tc>
-              </a:tr>
-              <a:tr h="400792">
-                <a:tc>
-                  <a:txBody>
-                    <a:bodyPr/>
-                    <a:lstStyle/>
-                    <a:p>
-                      <a:r>
-                        <a:rPr lang="en-US" sz="1200" b="1">
-                          <a:solidFill>
-                            <a:srgbClr val="000000"/>
-                          </a:solidFill>
-                          <a:effectLst/>
-                          <a:latin typeface="Verdana" charset="0"/>
-                        </a:rPr>
-                        <a:t>Location Address</a:t>
-                      </a:r>
-                    </a:p>
-                  </a:txBody>
-                  <a:tcPr marL="12700" marR="12700" marT="12700" marB="12700" anchor="ctr">
-                    <a:lnL w="6350" cap="flat" cmpd="sng" algn="ctr">
-                      <a:solidFill>
-                        <a:srgbClr val="C0C0C0"/>
-                      </a:solidFill>
-                      <a:prstDash val="solid"/>
-                      <a:round/>
-                      <a:headEnd type="none" w="med" len="med"/>
-                      <a:tailEnd type="none" w="med" len="med"/>
-                    </a:lnL>
-                    <a:lnR w="6350" cap="flat" cmpd="sng" algn="ctr">
-                      <a:solidFill>
-                        <a:srgbClr val="C0C0C0"/>
-                      </a:solidFill>
-                      <a:prstDash val="solid"/>
-                      <a:round/>
-                      <a:headEnd type="none" w="med" len="med"/>
-                      <a:tailEnd type="none" w="med" len="med"/>
-                    </a:lnR>
-                    <a:lnT w="6350" cap="flat" cmpd="sng" algn="ctr">
-                      <a:solidFill>
-                        <a:srgbClr val="C0C0C0"/>
-                      </a:solidFill>
-                      <a:prstDash val="solid"/>
-                      <a:round/>
-                      <a:headEnd type="none" w="med" len="med"/>
-                      <a:tailEnd type="none" w="med" len="med"/>
-                    </a:lnT>
-                    <a:lnB w="6350" cap="flat" cmpd="sng" algn="ctr">
-                      <a:solidFill>
-                        <a:srgbClr val="C0C0C0"/>
-                      </a:solidFill>
-                      <a:prstDash val="solid"/>
-                      <a:round/>
-                      <a:headEnd type="none" w="med" len="med"/>
-                      <a:tailEnd type="none" w="med" len="med"/>
-                    </a:lnB>
-                  </a:tcPr>
-                </a:tc>
-                <a:tc>
-                  <a:txBody>
-                    <a:bodyPr/>
-                    <a:lstStyle/>
-                    <a:p>
-                      <a:r>
-                        <a:rPr lang="en-US" sz="1200">
-                          <a:solidFill>
-                            <a:srgbClr val="000000"/>
-                          </a:solidFill>
-                          <a:effectLst/>
-                          <a:latin typeface="Verdana" charset="0"/>
-                        </a:rPr>
-                        <a:t> 3348 PEACHTREE RD </a:t>
-                      </a:r>
-                    </a:p>
-                  </a:txBody>
-                  <a:tcPr marL="12700" marR="12700" marT="12700" marB="12700" anchor="ctr">
-                    <a:lnL w="6350" cap="flat" cmpd="sng" algn="ctr">
-                      <a:solidFill>
-                        <a:srgbClr val="C0C0C0"/>
-                      </a:solidFill>
-                      <a:prstDash val="solid"/>
-                      <a:round/>
-                      <a:headEnd type="none" w="med" len="med"/>
-                      <a:tailEnd type="none" w="med" len="med"/>
-                    </a:lnL>
-                    <a:lnR w="6350" cap="flat" cmpd="sng" algn="ctr">
-                      <a:solidFill>
-                        <a:srgbClr val="C0C0C0"/>
-                      </a:solidFill>
-                      <a:prstDash val="solid"/>
-                      <a:round/>
-                      <a:headEnd type="none" w="med" len="med"/>
-                      <a:tailEnd type="none" w="med" len="med"/>
-                    </a:lnR>
-                    <a:lnT w="6350" cap="flat" cmpd="sng" algn="ctr">
-                      <a:solidFill>
-                        <a:srgbClr val="C0C0C0"/>
-                      </a:solidFill>
-                      <a:prstDash val="solid"/>
-                      <a:round/>
-                      <a:headEnd type="none" w="med" len="med"/>
-                      <a:tailEnd type="none" w="med" len="med"/>
-                    </a:lnT>
-                    <a:lnB w="6350" cap="flat" cmpd="sng" algn="ctr">
-                      <a:solidFill>
-                        <a:srgbClr val="C0C0C0"/>
-                      </a:solidFill>
-                      <a:prstDash val="solid"/>
-                      <a:round/>
-                      <a:headEnd type="none" w="med" len="med"/>
-                      <a:tailEnd type="none" w="med" len="med"/>
-                    </a:lnB>
-                  </a:tcPr>
-                </a:tc>
-                <a:tc>
-                  <a:txBody>
-                    <a:bodyPr/>
-                    <a:lstStyle/>
-                    <a:p>
-                      <a:r>
-                        <a:rPr lang="en-US" sz="1200" b="1">
-                          <a:solidFill>
-                            <a:srgbClr val="000000"/>
-                          </a:solidFill>
-                          <a:effectLst/>
-                          <a:latin typeface="Verdana" charset="0"/>
-                        </a:rPr>
-                        <a:t>Zoning</a:t>
-                      </a:r>
-                    </a:p>
-                  </a:txBody>
-                  <a:tcPr marL="12700" marR="12700" marT="12700" marB="12700" anchor="ctr">
-                    <a:lnL w="6350" cap="flat" cmpd="sng" algn="ctr">
-                      <a:solidFill>
-                        <a:srgbClr val="C0C0C0"/>
-                      </a:solidFill>
-                      <a:prstDash val="solid"/>
-                      <a:round/>
-                      <a:headEnd type="none" w="med" len="med"/>
-                      <a:tailEnd type="none" w="med" len="med"/>
-                    </a:lnL>
-                    <a:lnR w="6350" cap="flat" cmpd="sng" algn="ctr">
-                      <a:solidFill>
-                        <a:srgbClr val="C0C0C0"/>
-                      </a:solidFill>
-                      <a:prstDash val="solid"/>
-                      <a:round/>
-                      <a:headEnd type="none" w="med" len="med"/>
-                      <a:tailEnd type="none" w="med" len="med"/>
-                    </a:lnR>
-                    <a:lnT w="6350" cap="flat" cmpd="sng" algn="ctr">
-                      <a:solidFill>
-                        <a:srgbClr val="C0C0C0"/>
-                      </a:solidFill>
-                      <a:prstDash val="solid"/>
-                      <a:round/>
-                      <a:headEnd type="none" w="med" len="med"/>
-                      <a:tailEnd type="none" w="med" len="med"/>
-                    </a:lnT>
-                    <a:lnB w="6350" cap="flat" cmpd="sng" algn="ctr">
-                      <a:solidFill>
-                        <a:srgbClr val="C0C0C0"/>
-                      </a:solidFill>
-                      <a:prstDash val="solid"/>
-                      <a:round/>
-                      <a:headEnd type="none" w="med" len="med"/>
-                      <a:tailEnd type="none" w="med" len="med"/>
-                    </a:lnB>
-                  </a:tcPr>
-                </a:tc>
-                <a:tc>
-                  <a:txBody>
-                    <a:bodyPr/>
-                    <a:lstStyle/>
-                    <a:p>
-                      <a:r>
-                        <a:rPr lang="sk-SK" sz="1200">
-                          <a:solidFill>
-                            <a:srgbClr val="000000"/>
-                          </a:solidFill>
-                          <a:effectLst/>
-                          <a:latin typeface="Verdana" charset="0"/>
-                        </a:rPr>
-                        <a:t> C3 </a:t>
-                      </a:r>
-                    </a:p>
-                  </a:txBody>
-                  <a:tcPr marL="12700" marR="12700" marT="12700" marB="12700" anchor="ctr">
-                    <a:lnL w="6350" cap="flat" cmpd="sng" algn="ctr">
-                      <a:solidFill>
-                        <a:srgbClr val="C0C0C0"/>
-                      </a:solidFill>
-                      <a:prstDash val="solid"/>
-                      <a:round/>
-                      <a:headEnd type="none" w="med" len="med"/>
-                      <a:tailEnd type="none" w="med" len="med"/>
-                    </a:lnL>
-                    <a:lnR w="6350" cap="flat" cmpd="sng" algn="ctr">
-                      <a:solidFill>
-                        <a:srgbClr val="C0C0C0"/>
-                      </a:solidFill>
-                      <a:prstDash val="solid"/>
-                      <a:round/>
-                      <a:headEnd type="none" w="med" len="med"/>
-                      <a:tailEnd type="none" w="med" len="med"/>
-                    </a:lnR>
-                    <a:lnT w="6350" cap="flat" cmpd="sng" algn="ctr">
-                      <a:solidFill>
-                        <a:srgbClr val="C0C0C0"/>
-                      </a:solidFill>
-                      <a:prstDash val="solid"/>
-                      <a:round/>
-                      <a:headEnd type="none" w="med" len="med"/>
-                      <a:tailEnd type="none" w="med" len="med"/>
-                    </a:lnT>
-                    <a:lnB w="6350" cap="flat" cmpd="sng" algn="ctr">
-                      <a:solidFill>
-                        <a:srgbClr val="C0C0C0"/>
-                      </a:solidFill>
-                      <a:prstDash val="solid"/>
-                      <a:round/>
-                      <a:headEnd type="none" w="med" len="med"/>
-                      <a:tailEnd type="none" w="med" len="med"/>
-                    </a:lnB>
-                  </a:tcPr>
-                </a:tc>
-              </a:tr>
-              <a:tr h="209263">
-                <a:tc>
-                  <a:txBody>
-                    <a:bodyPr/>
-                    <a:lstStyle/>
-                    <a:p>
-                      <a:r>
-                        <a:rPr lang="en-US" sz="1200" b="1">
-                          <a:solidFill>
-                            <a:srgbClr val="000000"/>
-                          </a:solidFill>
-                          <a:effectLst/>
-                          <a:latin typeface="Verdana" charset="0"/>
-                        </a:rPr>
-                        <a:t>Legal Description</a:t>
-                      </a:r>
-                    </a:p>
-                  </a:txBody>
-                  <a:tcPr marL="12700" marR="12700" marT="12700" marB="12700" anchor="ctr">
-                    <a:lnL w="6350" cap="flat" cmpd="sng" algn="ctr">
-                      <a:solidFill>
-                        <a:srgbClr val="C0C0C0"/>
-                      </a:solidFill>
-                      <a:prstDash val="solid"/>
-                      <a:round/>
-                      <a:headEnd type="none" w="med" len="med"/>
-                      <a:tailEnd type="none" w="med" len="med"/>
-                    </a:lnL>
-                    <a:lnR w="6350" cap="flat" cmpd="sng" algn="ctr">
-                      <a:solidFill>
-                        <a:srgbClr val="C0C0C0"/>
-                      </a:solidFill>
-                      <a:prstDash val="solid"/>
-                      <a:round/>
-                      <a:headEnd type="none" w="med" len="med"/>
-                      <a:tailEnd type="none" w="med" len="med"/>
-                    </a:lnR>
-                    <a:lnT w="6350" cap="flat" cmpd="sng" algn="ctr">
-                      <a:solidFill>
-                        <a:srgbClr val="C0C0C0"/>
-                      </a:solidFill>
-                      <a:prstDash val="solid"/>
-                      <a:round/>
-                      <a:headEnd type="none" w="med" len="med"/>
-                      <a:tailEnd type="none" w="med" len="med"/>
-                    </a:lnT>
-                    <a:lnB w="6350" cap="flat" cmpd="sng" algn="ctr">
-                      <a:solidFill>
-                        <a:srgbClr val="C0C0C0"/>
-                      </a:solidFill>
-                      <a:prstDash val="solid"/>
-                      <a:round/>
-                      <a:headEnd type="none" w="med" len="med"/>
-                      <a:tailEnd type="none" w="med" len="med"/>
-                    </a:lnB>
-                  </a:tcPr>
-                </a:tc>
-                <a:tc>
-                  <a:txBody>
-                    <a:bodyPr/>
-                    <a:lstStyle/>
-                    <a:p>
-                      <a:r>
-                        <a:rPr lang="sk-SK" sz="1200">
-                          <a:solidFill>
-                            <a:srgbClr val="000000"/>
-                          </a:solidFill>
-                          <a:effectLst/>
-                          <a:latin typeface="Verdana" charset="0"/>
-                        </a:rPr>
-                        <a:t> C3 </a:t>
-                      </a:r>
-                    </a:p>
-                  </a:txBody>
-                  <a:tcPr marL="12700" marR="12700" marT="12700" marB="12700" anchor="ctr">
-                    <a:lnL w="6350" cap="flat" cmpd="sng" algn="ctr">
-                      <a:solidFill>
-                        <a:srgbClr val="C0C0C0"/>
-                      </a:solidFill>
-                      <a:prstDash val="solid"/>
-                      <a:round/>
-                      <a:headEnd type="none" w="med" len="med"/>
-                      <a:tailEnd type="none" w="med" len="med"/>
-                    </a:lnL>
-                    <a:lnR w="6350" cap="flat" cmpd="sng" algn="ctr">
-                      <a:solidFill>
-                        <a:srgbClr val="C0C0C0"/>
-                      </a:solidFill>
-                      <a:prstDash val="solid"/>
-                      <a:round/>
-                      <a:headEnd type="none" w="med" len="med"/>
-                      <a:tailEnd type="none" w="med" len="med"/>
-                    </a:lnR>
-                    <a:lnT w="6350" cap="flat" cmpd="sng" algn="ctr">
-                      <a:solidFill>
-                        <a:srgbClr val="C0C0C0"/>
-                      </a:solidFill>
-                      <a:prstDash val="solid"/>
-                      <a:round/>
-                      <a:headEnd type="none" w="med" len="med"/>
-                      <a:tailEnd type="none" w="med" len="med"/>
-                    </a:lnT>
-                    <a:lnB w="6350" cap="flat" cmpd="sng" algn="ctr">
-                      <a:solidFill>
-                        <a:srgbClr val="C0C0C0"/>
-                      </a:solidFill>
-                      <a:prstDash val="solid"/>
-                      <a:round/>
-                      <a:headEnd type="none" w="med" len="med"/>
-                      <a:tailEnd type="none" w="med" len="med"/>
-                    </a:lnB>
-                  </a:tcPr>
-                </a:tc>
-                <a:tc>
-                  <a:txBody>
-                    <a:bodyPr/>
-                    <a:lstStyle/>
-                    <a:p>
-                      <a:r>
-                        <a:rPr lang="en-US" sz="1200" b="1">
-                          <a:solidFill>
-                            <a:srgbClr val="000000"/>
-                          </a:solidFill>
-                          <a:effectLst/>
-                          <a:latin typeface="Verdana" charset="0"/>
-                        </a:rPr>
-                        <a:t>Acres</a:t>
-                      </a:r>
-                    </a:p>
-                  </a:txBody>
-                  <a:tcPr marL="12700" marR="12700" marT="12700" marB="12700" anchor="ctr">
-                    <a:lnL w="6350" cap="flat" cmpd="sng" algn="ctr">
-                      <a:solidFill>
-                        <a:srgbClr val="C0C0C0"/>
-                      </a:solidFill>
-                      <a:prstDash val="solid"/>
-                      <a:round/>
-                      <a:headEnd type="none" w="med" len="med"/>
-                      <a:tailEnd type="none" w="med" len="med"/>
-                    </a:lnL>
-                    <a:lnR w="6350" cap="flat" cmpd="sng" algn="ctr">
-                      <a:solidFill>
-                        <a:srgbClr val="C0C0C0"/>
-                      </a:solidFill>
-                      <a:prstDash val="solid"/>
-                      <a:round/>
-                      <a:headEnd type="none" w="med" len="med"/>
-                      <a:tailEnd type="none" w="med" len="med"/>
-                    </a:lnR>
-                    <a:lnT w="6350" cap="flat" cmpd="sng" algn="ctr">
-                      <a:solidFill>
-                        <a:srgbClr val="C0C0C0"/>
-                      </a:solidFill>
-                      <a:prstDash val="solid"/>
-                      <a:round/>
-                      <a:headEnd type="none" w="med" len="med"/>
-                      <a:tailEnd type="none" w="med" len="med"/>
-                    </a:lnT>
-                    <a:lnB w="6350" cap="flat" cmpd="sng" algn="ctr">
-                      <a:solidFill>
-                        <a:srgbClr val="C0C0C0"/>
-                      </a:solidFill>
-                      <a:prstDash val="solid"/>
-                      <a:round/>
-                      <a:headEnd type="none" w="med" len="med"/>
-                      <a:tailEnd type="none" w="med" len="med"/>
-                    </a:lnB>
-                  </a:tcPr>
-                </a:tc>
-                <a:tc>
-                  <a:txBody>
-                    <a:bodyPr/>
-                    <a:lstStyle/>
-                    <a:p>
-                      <a:r>
-                        <a:rPr lang="ru-RU" sz="1200">
-                          <a:solidFill>
-                            <a:srgbClr val="000000"/>
-                          </a:solidFill>
-                          <a:effectLst/>
-                          <a:latin typeface="Verdana" charset="0"/>
-                        </a:rPr>
-                        <a:t> 1.65 </a:t>
-                      </a:r>
-                    </a:p>
-                  </a:txBody>
-                  <a:tcPr marL="12700" marR="12700" marT="12700" marB="12700" anchor="ctr">
-                    <a:lnL w="6350" cap="flat" cmpd="sng" algn="ctr">
-                      <a:solidFill>
-                        <a:srgbClr val="C0C0C0"/>
-                      </a:solidFill>
-                      <a:prstDash val="solid"/>
-                      <a:round/>
-                      <a:headEnd type="none" w="med" len="med"/>
-                      <a:tailEnd type="none" w="med" len="med"/>
-                    </a:lnL>
-                    <a:lnR w="6350" cap="flat" cmpd="sng" algn="ctr">
-                      <a:solidFill>
-                        <a:srgbClr val="C0C0C0"/>
-                      </a:solidFill>
-                      <a:prstDash val="solid"/>
-                      <a:round/>
-                      <a:headEnd type="none" w="med" len="med"/>
-                      <a:tailEnd type="none" w="med" len="med"/>
-                    </a:lnR>
-                    <a:lnT w="6350" cap="flat" cmpd="sng" algn="ctr">
-                      <a:solidFill>
-                        <a:srgbClr val="C0C0C0"/>
-                      </a:solidFill>
-                      <a:prstDash val="solid"/>
-                      <a:round/>
-                      <a:headEnd type="none" w="med" len="med"/>
-                      <a:tailEnd type="none" w="med" len="med"/>
-                    </a:lnT>
-                    <a:lnB w="6350" cap="flat" cmpd="sng" algn="ctr">
-                      <a:solidFill>
-                        <a:srgbClr val="C0C0C0"/>
-                      </a:solidFill>
-                      <a:prstDash val="solid"/>
-                      <a:round/>
-                      <a:headEnd type="none" w="med" len="med"/>
-                      <a:tailEnd type="none" w="med" len="med"/>
-                    </a:lnB>
-                  </a:tcPr>
-                </a:tc>
-              </a:tr>
-              <a:tr h="400792">
-                <a:tc>
-                  <a:txBody>
-                    <a:bodyPr/>
-                    <a:lstStyle/>
-                    <a:p>
-                      <a:r>
-                        <a:rPr lang="en-US" sz="1200" b="1">
-                          <a:solidFill>
-                            <a:srgbClr val="000000"/>
-                          </a:solidFill>
-                          <a:effectLst/>
-                          <a:latin typeface="Verdana" charset="0"/>
-                        </a:rPr>
-                        <a:t>Property Class</a:t>
-                      </a:r>
-                    </a:p>
-                  </a:txBody>
-                  <a:tcPr marL="12700" marR="12700" marT="12700" marB="12700" anchor="ctr">
-                    <a:lnL w="6350" cap="flat" cmpd="sng" algn="ctr">
-                      <a:solidFill>
-                        <a:srgbClr val="C0C0C0"/>
-                      </a:solidFill>
-                      <a:prstDash val="solid"/>
-                      <a:round/>
-                      <a:headEnd type="none" w="med" len="med"/>
-                      <a:tailEnd type="none" w="med" len="med"/>
-                    </a:lnL>
-                    <a:lnR w="6350" cap="flat" cmpd="sng" algn="ctr">
-                      <a:solidFill>
-                        <a:srgbClr val="C0C0C0"/>
-                      </a:solidFill>
-                      <a:prstDash val="solid"/>
-                      <a:round/>
-                      <a:headEnd type="none" w="med" len="med"/>
-                      <a:tailEnd type="none" w="med" len="med"/>
-                    </a:lnR>
-                    <a:lnT w="6350" cap="flat" cmpd="sng" algn="ctr">
-                      <a:solidFill>
-                        <a:srgbClr val="C0C0C0"/>
-                      </a:solidFill>
-                      <a:prstDash val="solid"/>
-                      <a:round/>
-                      <a:headEnd type="none" w="med" len="med"/>
-                      <a:tailEnd type="none" w="med" len="med"/>
-                    </a:lnT>
-                    <a:lnB w="6350" cap="flat" cmpd="sng" algn="ctr">
-                      <a:solidFill>
-                        <a:srgbClr val="C0C0C0"/>
-                      </a:solidFill>
-                      <a:prstDash val="solid"/>
-                      <a:round/>
-                      <a:headEnd type="none" w="med" len="med"/>
-                      <a:tailEnd type="none" w="med" len="med"/>
-                    </a:lnB>
-                  </a:tcPr>
-                </a:tc>
-                <a:tc>
-                  <a:txBody>
-                    <a:bodyPr/>
-                    <a:lstStyle/>
-                    <a:p>
-                      <a:r>
-                        <a:rPr lang="en-US" sz="1200">
-                          <a:solidFill>
-                            <a:srgbClr val="000000"/>
-                          </a:solidFill>
-                          <a:effectLst/>
-                          <a:latin typeface="Verdana" charset="0"/>
-                        </a:rPr>
-                        <a:t> C3-Commercial Lots  </a:t>
-                      </a:r>
-                    </a:p>
-                  </a:txBody>
-                  <a:tcPr marL="12700" marR="12700" marT="12700" marB="12700" anchor="ctr">
-                    <a:lnL w="6350" cap="flat" cmpd="sng" algn="ctr">
-                      <a:solidFill>
-                        <a:srgbClr val="C0C0C0"/>
-                      </a:solidFill>
-                      <a:prstDash val="solid"/>
-                      <a:round/>
-                      <a:headEnd type="none" w="med" len="med"/>
-                      <a:tailEnd type="none" w="med" len="med"/>
-                    </a:lnL>
-                    <a:lnR w="6350" cap="flat" cmpd="sng" algn="ctr">
-                      <a:solidFill>
-                        <a:srgbClr val="C0C0C0"/>
-                      </a:solidFill>
-                      <a:prstDash val="solid"/>
-                      <a:round/>
-                      <a:headEnd type="none" w="med" len="med"/>
-                      <a:tailEnd type="none" w="med" len="med"/>
-                    </a:lnR>
-                    <a:lnT w="6350" cap="flat" cmpd="sng" algn="ctr">
-                      <a:solidFill>
-                        <a:srgbClr val="C0C0C0"/>
-                      </a:solidFill>
-                      <a:prstDash val="solid"/>
-                      <a:round/>
-                      <a:headEnd type="none" w="med" len="med"/>
-                      <a:tailEnd type="none" w="med" len="med"/>
-                    </a:lnT>
-                    <a:lnB w="6350" cap="flat" cmpd="sng" algn="ctr">
-                      <a:solidFill>
-                        <a:srgbClr val="C0C0C0"/>
-                      </a:solidFill>
-                      <a:prstDash val="solid"/>
-                      <a:round/>
-                      <a:headEnd type="none" w="med" len="med"/>
-                      <a:tailEnd type="none" w="med" len="med"/>
-                    </a:lnB>
-                  </a:tcPr>
-                </a:tc>
-                <a:tc>
-                  <a:txBody>
-                    <a:bodyPr/>
-                    <a:lstStyle/>
-                    <a:p>
-                      <a:r>
-                        <a:rPr lang="en-US" sz="1200" b="1">
-                          <a:solidFill>
-                            <a:srgbClr val="000000"/>
-                          </a:solidFill>
-                          <a:effectLst/>
-                          <a:latin typeface="Verdana" charset="0"/>
-                        </a:rPr>
-                        <a:t>Parcel Map</a:t>
-                      </a:r>
-                    </a:p>
-                  </a:txBody>
-                  <a:tcPr marL="12700" marR="12700" marT="12700" marB="12700" anchor="ctr">
-                    <a:lnL w="6350" cap="flat" cmpd="sng" algn="ctr">
-                      <a:solidFill>
-                        <a:srgbClr val="C0C0C0"/>
-                      </a:solidFill>
-                      <a:prstDash val="solid"/>
-                      <a:round/>
-                      <a:headEnd type="none" w="med" len="med"/>
-                      <a:tailEnd type="none" w="med" len="med"/>
-                    </a:lnL>
-                    <a:lnR w="6350" cap="flat" cmpd="sng" algn="ctr">
-                      <a:solidFill>
-                        <a:srgbClr val="C0C0C0"/>
-                      </a:solidFill>
-                      <a:prstDash val="solid"/>
-                      <a:round/>
-                      <a:headEnd type="none" w="med" len="med"/>
-                      <a:tailEnd type="none" w="med" len="med"/>
-                    </a:lnR>
-                    <a:lnT w="6350" cap="flat" cmpd="sng" algn="ctr">
-                      <a:solidFill>
-                        <a:srgbClr val="C0C0C0"/>
-                      </a:solidFill>
-                      <a:prstDash val="solid"/>
-                      <a:round/>
-                      <a:headEnd type="none" w="med" len="med"/>
-                      <a:tailEnd type="none" w="med" len="med"/>
-                    </a:lnT>
-                    <a:lnB w="6350" cap="flat" cmpd="sng" algn="ctr">
-                      <a:solidFill>
-                        <a:srgbClr val="C0C0C0"/>
-                      </a:solidFill>
-                      <a:prstDash val="solid"/>
-                      <a:round/>
-                      <a:headEnd type="none" w="med" len="med"/>
-                      <a:tailEnd type="none" w="med" len="med"/>
-                    </a:lnB>
-                  </a:tcPr>
-                </a:tc>
-                <a:tc>
-                  <a:txBody>
-                    <a:bodyPr/>
-                    <a:lstStyle/>
-                    <a:p>
-                      <a:r>
-                        <a:rPr lang="sk-SK" sz="1200">
-                          <a:solidFill>
-                            <a:srgbClr val="000000"/>
-                          </a:solidFill>
-                          <a:effectLst/>
-                          <a:latin typeface="Verdana" charset="0"/>
-                        </a:rPr>
-                        <a:t> </a:t>
-                      </a:r>
-                    </a:p>
-                  </a:txBody>
-                  <a:tcPr marL="12700" marR="12700" marT="12700" marB="12700" anchor="ctr">
-                    <a:lnL w="6350" cap="flat" cmpd="sng" algn="ctr">
-                      <a:solidFill>
-                        <a:srgbClr val="C0C0C0"/>
-                      </a:solidFill>
-                      <a:prstDash val="solid"/>
-                      <a:round/>
-                      <a:headEnd type="none" w="med" len="med"/>
-                      <a:tailEnd type="none" w="med" len="med"/>
-                    </a:lnL>
-                    <a:lnR w="6350" cap="flat" cmpd="sng" algn="ctr">
-                      <a:solidFill>
-                        <a:srgbClr val="C0C0C0"/>
-                      </a:solidFill>
-                      <a:prstDash val="solid"/>
-                      <a:round/>
-                      <a:headEnd type="none" w="med" len="med"/>
-                      <a:tailEnd type="none" w="med" len="med"/>
-                    </a:lnR>
-                    <a:lnT w="6350" cap="flat" cmpd="sng" algn="ctr">
-                      <a:solidFill>
-                        <a:srgbClr val="C0C0C0"/>
-                      </a:solidFill>
-                      <a:prstDash val="solid"/>
-                      <a:round/>
-                      <a:headEnd type="none" w="med" len="med"/>
-                      <a:tailEnd type="none" w="med" len="med"/>
-                    </a:lnT>
-                    <a:lnB w="6350" cap="flat" cmpd="sng" algn="ctr">
-                      <a:solidFill>
-                        <a:srgbClr val="C0C0C0"/>
-                      </a:solidFill>
-                      <a:prstDash val="solid"/>
-                      <a:round/>
-                      <a:headEnd type="none" w="med" len="med"/>
-                      <a:tailEnd type="none" w="med" len="med"/>
-                    </a:lnB>
-                  </a:tcPr>
-                </a:tc>
-              </a:tr>
-              <a:tr h="209263">
-                <a:tc>
-                  <a:txBody>
-                    <a:bodyPr/>
-                    <a:lstStyle/>
-                    <a:p>
-                      <a:r>
-                        <a:rPr lang="en-US" sz="1200" b="1">
-                          <a:solidFill>
-                            <a:srgbClr val="000000"/>
-                          </a:solidFill>
-                          <a:effectLst/>
-                          <a:latin typeface="Verdana" charset="0"/>
-                        </a:rPr>
-                        <a:t>Neighborhood</a:t>
-                      </a:r>
-                    </a:p>
-                  </a:txBody>
-                  <a:tcPr marL="12700" marR="12700" marT="12700" marB="12700" anchor="ctr">
-                    <a:lnL w="6350" cap="flat" cmpd="sng" algn="ctr">
-                      <a:solidFill>
-                        <a:srgbClr val="C0C0C0"/>
-                      </a:solidFill>
-                      <a:prstDash val="solid"/>
-                      <a:round/>
-                      <a:headEnd type="none" w="med" len="med"/>
-                      <a:tailEnd type="none" w="med" len="med"/>
-                    </a:lnL>
-                    <a:lnR w="6350" cap="flat" cmpd="sng" algn="ctr">
-                      <a:solidFill>
-                        <a:srgbClr val="C0C0C0"/>
-                      </a:solidFill>
-                      <a:prstDash val="solid"/>
-                      <a:round/>
-                      <a:headEnd type="none" w="med" len="med"/>
-                      <a:tailEnd type="none" w="med" len="med"/>
-                    </a:lnR>
-                    <a:lnT w="6350" cap="flat" cmpd="sng" algn="ctr">
-                      <a:solidFill>
-                        <a:srgbClr val="C0C0C0"/>
-                      </a:solidFill>
-                      <a:prstDash val="solid"/>
-                      <a:round/>
-                      <a:headEnd type="none" w="med" len="med"/>
-                      <a:tailEnd type="none" w="med" len="med"/>
-                    </a:lnT>
-                    <a:lnB w="6350" cap="flat" cmpd="sng" algn="ctr">
-                      <a:solidFill>
-                        <a:srgbClr val="C0C0C0"/>
-                      </a:solidFill>
-                      <a:prstDash val="solid"/>
-                      <a:round/>
-                      <a:headEnd type="none" w="med" len="med"/>
-                      <a:tailEnd type="none" w="med" len="med"/>
-                    </a:lnB>
-                  </a:tcPr>
-                </a:tc>
-                <a:tc>
-                  <a:txBody>
-                    <a:bodyPr/>
-                    <a:lstStyle/>
-                    <a:p>
-                      <a:r>
-                        <a:rPr lang="is-IS" sz="1200">
-                          <a:solidFill>
-                            <a:srgbClr val="000000"/>
-                          </a:solidFill>
-                          <a:effectLst/>
-                          <a:latin typeface="Verdana" charset="0"/>
-                        </a:rPr>
-                        <a:t> C305  </a:t>
-                      </a:r>
-                    </a:p>
-                  </a:txBody>
-                  <a:tcPr marL="12700" marR="12700" marT="12700" marB="12700" anchor="ctr">
-                    <a:lnL w="6350" cap="flat" cmpd="sng" algn="ctr">
-                      <a:solidFill>
-                        <a:srgbClr val="C0C0C0"/>
-                      </a:solidFill>
-                      <a:prstDash val="solid"/>
-                      <a:round/>
-                      <a:headEnd type="none" w="med" len="med"/>
-                      <a:tailEnd type="none" w="med" len="med"/>
-                    </a:lnL>
-                    <a:lnR w="6350" cap="flat" cmpd="sng" algn="ctr">
-                      <a:solidFill>
-                        <a:srgbClr val="C0C0C0"/>
-                      </a:solidFill>
-                      <a:prstDash val="solid"/>
-                      <a:round/>
-                      <a:headEnd type="none" w="med" len="med"/>
-                      <a:tailEnd type="none" w="med" len="med"/>
-                    </a:lnR>
-                    <a:lnT w="6350" cap="flat" cmpd="sng" algn="ctr">
-                      <a:solidFill>
-                        <a:srgbClr val="C0C0C0"/>
-                      </a:solidFill>
-                      <a:prstDash val="solid"/>
-                      <a:round/>
-                      <a:headEnd type="none" w="med" len="med"/>
-                      <a:tailEnd type="none" w="med" len="med"/>
-                    </a:lnT>
-                    <a:lnB w="6350" cap="flat" cmpd="sng" algn="ctr">
-                      <a:solidFill>
-                        <a:srgbClr val="C0C0C0"/>
-                      </a:solidFill>
-                      <a:prstDash val="solid"/>
-                      <a:round/>
-                      <a:headEnd type="none" w="med" len="med"/>
-                      <a:tailEnd type="none" w="med" len="med"/>
-                    </a:lnB>
-                  </a:tcPr>
-                </a:tc>
-                <a:tc>
-                  <a:txBody>
-                    <a:bodyPr/>
-                    <a:lstStyle/>
-                    <a:p>
-                      <a:r>
-                        <a:rPr lang="en-US" sz="1200" b="1">
-                          <a:solidFill>
-                            <a:srgbClr val="000000"/>
-                          </a:solidFill>
-                          <a:effectLst/>
-                          <a:latin typeface="Verdana" charset="0"/>
-                        </a:rPr>
-                        <a:t>Homestead</a:t>
-                      </a:r>
-                    </a:p>
-                  </a:txBody>
-                  <a:tcPr marL="12700" marR="12700" marT="12700" marB="12700" anchor="ctr">
-                    <a:lnL w="6350" cap="flat" cmpd="sng" algn="ctr">
-                      <a:solidFill>
-                        <a:srgbClr val="C0C0C0"/>
-                      </a:solidFill>
-                      <a:prstDash val="solid"/>
-                      <a:round/>
-                      <a:headEnd type="none" w="med" len="med"/>
-                      <a:tailEnd type="none" w="med" len="med"/>
-                    </a:lnL>
-                    <a:lnR w="6350" cap="flat" cmpd="sng" algn="ctr">
-                      <a:solidFill>
-                        <a:srgbClr val="C0C0C0"/>
-                      </a:solidFill>
-                      <a:prstDash val="solid"/>
-                      <a:round/>
-                      <a:headEnd type="none" w="med" len="med"/>
-                      <a:tailEnd type="none" w="med" len="med"/>
-                    </a:lnR>
-                    <a:lnT w="6350" cap="flat" cmpd="sng" algn="ctr">
-                      <a:solidFill>
-                        <a:srgbClr val="C0C0C0"/>
-                      </a:solidFill>
-                      <a:prstDash val="solid"/>
-                      <a:round/>
-                      <a:headEnd type="none" w="med" len="med"/>
-                      <a:tailEnd type="none" w="med" len="med"/>
-                    </a:lnT>
-                    <a:lnB w="6350" cap="flat" cmpd="sng" algn="ctr">
-                      <a:solidFill>
-                        <a:srgbClr val="C0C0C0"/>
-                      </a:solidFill>
-                      <a:prstDash val="solid"/>
-                      <a:round/>
-                      <a:headEnd type="none" w="med" len="med"/>
-                      <a:tailEnd type="none" w="med" len="med"/>
-                    </a:lnB>
-                  </a:tcPr>
-                </a:tc>
-                <a:tc>
-                  <a:txBody>
-                    <a:bodyPr/>
-                    <a:lstStyle/>
-                    <a:p>
-                      <a:r>
-                        <a:rPr lang="is-IS" sz="1200">
-                          <a:solidFill>
-                            <a:srgbClr val="000000"/>
-                          </a:solidFill>
-                          <a:effectLst/>
-                          <a:latin typeface="Verdana" charset="0"/>
-                        </a:rPr>
-                        <a:t> N  </a:t>
-                      </a:r>
-                    </a:p>
-                  </a:txBody>
-                  <a:tcPr marL="12700" marR="12700" marT="12700" marB="12700" anchor="ctr">
-                    <a:lnL w="6350" cap="flat" cmpd="sng" algn="ctr">
-                      <a:solidFill>
-                        <a:srgbClr val="C0C0C0"/>
-                      </a:solidFill>
-                      <a:prstDash val="solid"/>
-                      <a:round/>
-                      <a:headEnd type="none" w="med" len="med"/>
-                      <a:tailEnd type="none" w="med" len="med"/>
-                    </a:lnL>
-                    <a:lnR w="6350" cap="flat" cmpd="sng" algn="ctr">
-                      <a:solidFill>
-                        <a:srgbClr val="C0C0C0"/>
-                      </a:solidFill>
-                      <a:prstDash val="solid"/>
-                      <a:round/>
-                      <a:headEnd type="none" w="med" len="med"/>
-                      <a:tailEnd type="none" w="med" len="med"/>
-                    </a:lnR>
-                    <a:lnT w="6350" cap="flat" cmpd="sng" algn="ctr">
-                      <a:solidFill>
-                        <a:srgbClr val="C0C0C0"/>
-                      </a:solidFill>
-                      <a:prstDash val="solid"/>
-                      <a:round/>
-                      <a:headEnd type="none" w="med" len="med"/>
-                      <a:tailEnd type="none" w="med" len="med"/>
-                    </a:lnT>
-                    <a:lnB w="6350" cap="flat" cmpd="sng" algn="ctr">
-                      <a:solidFill>
-                        <a:srgbClr val="C0C0C0"/>
-                      </a:solidFill>
-                      <a:prstDash val="solid"/>
-                      <a:round/>
-                      <a:headEnd type="none" w="med" len="med"/>
-                      <a:tailEnd type="none" w="med" len="med"/>
-                    </a:lnB>
-                  </a:tcPr>
-                </a:tc>
-              </a:tr>
-              <a:tr h="209263">
-                <a:tc>
-                  <a:txBody>
-                    <a:bodyPr/>
-                    <a:lstStyle/>
-                    <a:p>
-                      <a:r>
-                        <a:rPr lang="en-US" sz="1200" b="1" dirty="0">
-                          <a:solidFill>
-                            <a:srgbClr val="000000"/>
-                          </a:solidFill>
-                          <a:effectLst/>
-                          <a:latin typeface="Verdana" charset="0"/>
-                        </a:rPr>
-                        <a:t>Legal Description</a:t>
-                      </a:r>
-                    </a:p>
-                  </a:txBody>
-                  <a:tcPr marL="12700" marR="12700" marT="12700" marB="12700" anchor="ctr">
-                    <a:lnL w="6350" cap="flat" cmpd="sng" algn="ctr">
-                      <a:solidFill>
-                        <a:srgbClr val="C0C0C0"/>
-                      </a:solidFill>
-                      <a:prstDash val="solid"/>
-                      <a:round/>
-                      <a:headEnd type="none" w="med" len="med"/>
-                      <a:tailEnd type="none" w="med" len="med"/>
-                    </a:lnL>
-                    <a:lnR w="6350" cap="flat" cmpd="sng" algn="ctr">
-                      <a:solidFill>
-                        <a:srgbClr val="C0C0C0"/>
-                      </a:solidFill>
-                      <a:prstDash val="solid"/>
-                      <a:round/>
-                      <a:headEnd type="none" w="med" len="med"/>
-                      <a:tailEnd type="none" w="med" len="med"/>
-                    </a:lnR>
-                    <a:lnT w="6350" cap="flat" cmpd="sng" algn="ctr">
-                      <a:solidFill>
-                        <a:srgbClr val="C0C0C0"/>
-                      </a:solidFill>
-                      <a:prstDash val="solid"/>
-                      <a:round/>
-                      <a:headEnd type="none" w="med" len="med"/>
-                      <a:tailEnd type="none" w="med" len="med"/>
-                    </a:lnT>
-                    <a:lnB w="6350" cap="flat" cmpd="sng" algn="ctr">
-                      <a:solidFill>
-                        <a:srgbClr val="C0C0C0"/>
-                      </a:solidFill>
-                      <a:prstDash val="solid"/>
-                      <a:round/>
-                      <a:headEnd type="none" w="med" len="med"/>
-                      <a:tailEnd type="none" w="med" len="med"/>
-                    </a:lnB>
-                  </a:tcPr>
-                </a:tc>
-                <a:tc gridSpan="3">
-                  <a:txBody>
-                    <a:bodyPr/>
-                    <a:lstStyle/>
-                    <a:p>
-                      <a:r>
-                        <a:rPr lang="sk-SK" sz="1200" dirty="0">
-                          <a:solidFill>
-                            <a:srgbClr val="000000"/>
-                          </a:solidFill>
-                          <a:effectLst/>
-                          <a:latin typeface="Verdana" charset="0"/>
-                        </a:rPr>
-                        <a:t> </a:t>
-                      </a:r>
-                    </a:p>
-                  </a:txBody>
-                  <a:tcPr marL="12700" marR="12700" marT="12700" marB="12700" anchor="ctr">
-                    <a:lnL w="6350" cap="flat" cmpd="sng" algn="ctr">
-                      <a:solidFill>
-                        <a:srgbClr val="C0C0C0"/>
-                      </a:solidFill>
-                      <a:prstDash val="solid"/>
-                      <a:round/>
-                      <a:headEnd type="none" w="med" len="med"/>
-                      <a:tailEnd type="none" w="med" len="med"/>
-                    </a:lnL>
-                    <a:lnR w="6350" cap="flat" cmpd="sng" algn="ctr">
-                      <a:solidFill>
-                        <a:srgbClr val="C0C0C0"/>
-                      </a:solidFill>
-                      <a:prstDash val="solid"/>
-                      <a:round/>
-                      <a:headEnd type="none" w="med" len="med"/>
-                      <a:tailEnd type="none" w="med" len="med"/>
-                    </a:lnR>
-                    <a:lnT w="6350" cap="flat" cmpd="sng" algn="ctr">
-                      <a:solidFill>
-                        <a:srgbClr val="C0C0C0"/>
-                      </a:solidFill>
-                      <a:prstDash val="solid"/>
-                      <a:round/>
-                      <a:headEnd type="none" w="med" len="med"/>
-                      <a:tailEnd type="none" w="med" len="med"/>
-                    </a:lnT>
-                    <a:lnB w="6350" cap="flat" cmpd="sng" algn="ctr">
-                      <a:solidFill>
-                        <a:srgbClr val="C0C0C0"/>
-                      </a:solidFill>
-                      <a:prstDash val="solid"/>
-                      <a:round/>
-                      <a:headEnd type="none" w="med" len="med"/>
-                      <a:tailEnd type="none" w="med" len="med"/>
-                    </a:lnB>
-                  </a:tcPr>
-                </a:tc>
-                <a:tc hMerge="1">
-                  <a:txBody>
-                    <a:bodyPr/>
-                    <a:lstStyle/>
-                    <a:p>
-                      <a:endParaRPr lang="en-US"/>
-                    </a:p>
-                  </a:txBody>
-                  <a:tcPr/>
-                </a:tc>
-                <a:tc hMerge="1">
-                  <a:txBody>
-                    <a:bodyPr/>
-                    <a:lstStyle/>
-                    <a:p>
-                      <a:endParaRPr lang="en-US"/>
-                    </a:p>
-                  </a:txBody>
-                  <a:tcPr/>
-                </a:tc>
-              </a:tr>
-            </a:tbl>
-          </a:graphicData>
-        </a:graphic>
-      </p:graphicFrame>
+      <p:pic>
+        <p:nvPicPr>
+          <p:cNvPr id="4" name="Picture 3"/>
+          <p:cNvPicPr>
+            <a:picLocks noChangeAspect="1"/>
+          </p:cNvPicPr>
+          <p:nvPr/>
+        </p:nvPicPr>
+        <p:blipFill>
+          <a:blip r:embed="rId2"/>
+          <a:stretch>
+            <a:fillRect/>
+          </a:stretch>
+        </p:blipFill>
+        <p:spPr>
+          <a:xfrm>
+            <a:off x="825500" y="1771398"/>
+            <a:ext cx="10528300" cy="3860800"/>
+          </a:xfrm>
+          <a:prstGeom prst="rect">
+            <a:avLst/>
+          </a:prstGeom>
+        </p:spPr>
+      </p:pic>
     </p:spTree>
     <p:extLst>
       <p:ext uri="{BB962C8B-B14F-4D97-AF65-F5344CB8AC3E}">
-        <p14:creationId xmlns:p14="http://schemas.microsoft.com/office/powerpoint/2010/main" val="1352635178"/>
+        <p14:creationId xmlns:p14="http://schemas.microsoft.com/office/powerpoint/2010/main" val="2028285627"/>
       </p:ext>
     </p:extLst>
   </p:cSld>
@@ -5369,62 +4032,83 @@
           <a:p>
             <a:r>
               <a:rPr lang="en-US" dirty="0" smtClean="0"/>
-              <a:t>Session 2</a:t>
+              <a:t>URL (Universal Resource Location)</a:t>
             </a:r>
             <a:endParaRPr lang="en-US" dirty="0"/>
           </a:p>
         </p:txBody>
       </p:sp>
-      <p:sp>
-        <p:nvSpPr>
-          <p:cNvPr id="3" name="Content Placeholder 2"/>
-          <p:cNvSpPr>
-            <a:spLocks noGrp="1"/>
-          </p:cNvSpPr>
-          <p:nvPr>
-            <p:ph idx="1"/>
-          </p:nvPr>
-        </p:nvSpPr>
-        <p:spPr/>
-        <p:txBody>
-          <a:bodyPr/>
-          <a:lstStyle/>
-          <a:p>
-            <a:r>
-              <a:rPr lang="en-US" dirty="0"/>
-              <a:t>Preprocessing data formats like JSON, CSV, HTML/XML to repair corrupt files, extract and filter relevant information, or de-duplicate </a:t>
-            </a:r>
-            <a:r>
-              <a:rPr lang="en-US" dirty="0" smtClean="0"/>
-              <a:t>records</a:t>
-            </a:r>
-          </a:p>
-          <a:p>
-            <a:r>
-              <a:rPr lang="en-US" dirty="0" smtClean="0"/>
-              <a:t>Hands-on</a:t>
-            </a:r>
-            <a:r>
-              <a:rPr lang="en-US" dirty="0"/>
-              <a:t>: repairing several text files so that they comply the standard formats, extract data points using text processing tools (prior to loading them into Pandas, etc.)</a:t>
-            </a:r>
-          </a:p>
-          <a:p>
-            <a:r>
-              <a:rPr lang="en-US" dirty="0" smtClean="0"/>
-              <a:t/>
-            </a:r>
-            <a:br>
-              <a:rPr lang="en-US" dirty="0" smtClean="0"/>
-            </a:br>
-            <a:endParaRPr lang="en-US" dirty="0"/>
-          </a:p>
-        </p:txBody>
-      </p:sp>
+      <p:pic>
+        <p:nvPicPr>
+          <p:cNvPr id="4" name="Picture 3"/>
+          <p:cNvPicPr>
+            <a:picLocks noChangeAspect="1"/>
+          </p:cNvPicPr>
+          <p:nvPr/>
+        </p:nvPicPr>
+        <p:blipFill>
+          <a:blip r:embed="rId2">
+            <a:grayscl/>
+          </a:blip>
+          <a:stretch>
+            <a:fillRect/>
+          </a:stretch>
+        </p:blipFill>
+        <p:spPr>
+          <a:xfrm>
+            <a:off x="2351314" y="3930726"/>
+            <a:ext cx="8740322" cy="2462817"/>
+          </a:xfrm>
+          <a:prstGeom prst="rect">
+            <a:avLst/>
+          </a:prstGeom>
+        </p:spPr>
+      </p:pic>
+      <p:pic>
+        <p:nvPicPr>
+          <p:cNvPr id="5" name="Picture 4"/>
+          <p:cNvPicPr>
+            <a:picLocks noChangeAspect="1"/>
+          </p:cNvPicPr>
+          <p:nvPr/>
+        </p:nvPicPr>
+        <p:blipFill>
+          <a:blip r:embed="rId3">
+            <a:alphaModFix amt="96000"/>
+            <a:grayscl/>
+            <a:extLst>
+              <a:ext uri="{BEBA8EAE-BF5A-486C-A8C5-ECC9F3942E4B}">
+                <a14:imgProps xmlns:a14="http://schemas.microsoft.com/office/drawing/2010/main">
+                  <a14:imgLayer r:embed="rId4">
+                    <a14:imgEffect>
+                      <a14:colorTemperature colorTemp="1695"/>
+                    </a14:imgEffect>
+                    <a14:imgEffect>
+                      <a14:saturation sat="57000"/>
+                    </a14:imgEffect>
+                  </a14:imgLayer>
+                </a14:imgProps>
+              </a:ext>
+            </a:extLst>
+          </a:blip>
+          <a:stretch>
+            <a:fillRect/>
+          </a:stretch>
+        </p:blipFill>
+        <p:spPr>
+          <a:xfrm>
+            <a:off x="566966" y="1137424"/>
+            <a:ext cx="7923892" cy="2724325"/>
+          </a:xfrm>
+          <a:prstGeom prst="rect">
+            <a:avLst/>
+          </a:prstGeom>
+        </p:spPr>
+      </p:pic>
     </p:spTree>
     <p:extLst>
       <p:ext uri="{BB962C8B-B14F-4D97-AF65-F5344CB8AC3E}">
-        <p14:creationId xmlns:p14="http://schemas.microsoft.com/office/powerpoint/2010/main" val="688804295"/>
+        <p14:creationId xmlns:p14="http://schemas.microsoft.com/office/powerpoint/2010/main" val="1833515180"/>
       </p:ext>
     </p:extLst>
   </p:cSld>
@@ -5468,7 +4152,7 @@
           <a:p>
             <a:r>
               <a:rPr lang="en-US" dirty="0" smtClean="0"/>
-              <a:t>Session 3</a:t>
+              <a:t>CSS</a:t>
             </a:r>
             <a:endParaRPr lang="en-US" dirty="0"/>
           </a:p>
@@ -5491,47 +4175,68 @@
           <a:p>
             <a:r>
               <a:rPr lang="en-US" dirty="0"/>
-              <a:t>Data cleaning and manipulation using packages Pandas, </a:t>
+              <a:t>https://</a:t>
             </a:r>
             <a:r>
               <a:rPr lang="en-US" dirty="0" err="1"/>
-              <a:t>NumPy</a:t>
+              <a:t>developer.mozilla.org</a:t>
             </a:r>
             <a:r>
               <a:rPr lang="en-US" dirty="0"/>
-              <a:t> and other relevant Python packages, data visualization and visual inspection with </a:t>
-            </a:r>
-            <a:r>
-              <a:rPr lang="en-US" dirty="0" smtClean="0"/>
-              <a:t>Python</a:t>
-            </a:r>
-          </a:p>
-          <a:p>
-            <a:r>
-              <a:rPr lang="en-US" dirty="0" smtClean="0"/>
-              <a:t>Hands-on</a:t>
+              <a:t>/</a:t>
+            </a:r>
+            <a:r>
+              <a:rPr lang="en-US" dirty="0" err="1"/>
+              <a:t>en</a:t>
             </a:r>
             <a:r>
               <a:rPr lang="en-US" dirty="0"/>
-              <a:t>: finding outliers, invalid values, coverage, calculate distributions of values and correct by scaling and normalization, visually inspect data sets.</a:t>
-            </a:r>
-          </a:p>
-          <a:p>
-            <a:r>
-              <a:rPr lang="en-US" dirty="0" smtClean="0"/>
-              <a:t/>
-            </a:r>
-            <a:br>
-              <a:rPr lang="en-US" dirty="0" smtClean="0"/>
-            </a:br>
+              <a:t>-US/docs/Learn/CSS/</a:t>
+            </a:r>
+            <a:r>
+              <a:rPr lang="en-US" dirty="0" err="1"/>
+              <a:t>Introduction_to_CSS</a:t>
+            </a:r>
+            <a:r>
+              <a:rPr lang="en-US" dirty="0"/>
+              <a:t>/</a:t>
+            </a:r>
+            <a:r>
+              <a:rPr lang="en-US" dirty="0" err="1"/>
+              <a:t>How_CSS_works</a:t>
+            </a:r>
             <a:endParaRPr lang="en-US" dirty="0"/>
           </a:p>
         </p:txBody>
       </p:sp>
+      <p:pic>
+        <p:nvPicPr>
+          <p:cNvPr id="4" name="Picture 3"/>
+          <p:cNvPicPr>
+            <a:picLocks noChangeAspect="1"/>
+          </p:cNvPicPr>
+          <p:nvPr/>
+        </p:nvPicPr>
+        <p:blipFill>
+          <a:blip r:embed="rId2"/>
+          <a:stretch>
+            <a:fillRect/>
+          </a:stretch>
+        </p:blipFill>
+        <p:spPr>
+          <a:xfrm>
+            <a:off x="1270000" y="2666999"/>
+            <a:ext cx="8890000" cy="3048000"/>
+          </a:xfrm>
+          <a:prstGeom prst="rect">
+            <a:avLst/>
+          </a:prstGeom>
+        </p:spPr>
+      </p:pic>
     </p:spTree>
     <p:extLst>
       <p:ext uri="{BB962C8B-B14F-4D97-AF65-F5344CB8AC3E}">
-        <p14:creationId xmlns:p14="http://schemas.microsoft.com/office/powerpoint/2010/main" val="1796928735"/>
+        <p14:creationId xmlns:p14="http://schemas.microsoft.com/office/powerpoint/2010/main" val="378953722"/>
       </p:ext>
     </p:extLst>
   </p:cSld>
@@ -5575,7 +4280,7 @@
           <a:p>
             <a:r>
               <a:rPr lang="en-US" dirty="0" smtClean="0"/>
-              <a:t>Session 4</a:t>
+              <a:t>Can we do this?</a:t>
             </a:r>
             <a:endParaRPr lang="en-US" dirty="0"/>
           </a:p>
@@ -5593,34 +4298,321 @@
         </p:nvSpPr>
         <p:spPr/>
         <p:txBody>
-          <a:bodyPr/>
-          <a:lstStyle/>
-          <a:p>
-            <a:r>
-              <a:rPr lang="en-US" dirty="0"/>
-              <a:t>Practices and techniques to handle missing values in structured </a:t>
-            </a:r>
-            <a:r>
-              <a:rPr lang="en-US" dirty="0" smtClean="0"/>
-              <a:t>data;</a:t>
-            </a:r>
-          </a:p>
-          <a:p>
-            <a:r>
-              <a:rPr lang="en-US" dirty="0" smtClean="0"/>
-              <a:t>Hands-on</a:t>
-            </a:r>
-            <a:r>
-              <a:rPr lang="en-US" dirty="0"/>
-              <a:t>: impute values for data set with missing data, using nearest neighbors, probability distribution, etc.</a:t>
-            </a:r>
+          <a:bodyPr>
+            <a:noAutofit/>
+          </a:bodyPr>
+          <a:lstStyle/>
+          <a:p>
+            <a:pPr marL="0" indent="0">
+              <a:buNone/>
+            </a:pPr>
+            <a:r>
+              <a:rPr lang="en-US" sz="2000" dirty="0"/>
+              <a:t>https://</a:t>
+            </a:r>
+            <a:r>
+              <a:rPr lang="en-US" sz="2000" dirty="0" err="1"/>
+              <a:t>benbernardblog.com</a:t>
+            </a:r>
+            <a:r>
+              <a:rPr lang="en-US" sz="2000" dirty="0"/>
+              <a:t>/web-scraping-and-crawling-are-perfectly-legal-right</a:t>
+            </a:r>
+            <a:r>
+              <a:rPr lang="en-US" sz="2000" dirty="0" smtClean="0"/>
+              <a:t>/</a:t>
+            </a:r>
+          </a:p>
+          <a:p>
+            <a:r>
+              <a:rPr lang="en-US" sz="2400" dirty="0" smtClean="0"/>
+              <a:t>Web scraping </a:t>
+            </a:r>
+            <a:r>
+              <a:rPr lang="en-US" sz="2400" dirty="0"/>
+              <a:t>and crawling aren't illegal by themselves. They might become problematic when you play on somebody else's turf, on your own terms, without obtaining their prior permission. The same is true in real life as well, when you think about it.</a:t>
+            </a:r>
+          </a:p>
+          <a:p>
+            <a:r>
+              <a:rPr lang="en-US" sz="2400" dirty="0"/>
+              <a:t>There are a lot of grey areas in law around this topic, so the outcome is pretty unpredictable. Before getting into trouble, </a:t>
+            </a:r>
+            <a:r>
+              <a:rPr lang="en-US" sz="2400" b="1" dirty="0"/>
+              <a:t>make sure that what you're doing respects the rules</a:t>
+            </a:r>
+            <a:r>
+              <a:rPr lang="en-US" sz="2400" dirty="0"/>
+              <a:t>.</a:t>
+            </a:r>
+          </a:p>
+          <a:p>
+            <a:r>
+              <a:rPr lang="en-US" sz="2400" dirty="0"/>
+              <a:t>And finally, the relevant question isn't "Is this legal?". Instead, you should ask yourself "Am I doing something that might upset someone? And am I willing to take the (financial) risk of their response</a:t>
+            </a:r>
+            <a:r>
+              <a:rPr lang="en-US" sz="2400" dirty="0" smtClean="0"/>
+              <a:t>?".</a:t>
+            </a:r>
+            <a:endParaRPr lang="en-US" sz="2400" dirty="0"/>
           </a:p>
         </p:txBody>
       </p:sp>
     </p:spTree>
     <p:extLst>
       <p:ext uri="{BB962C8B-B14F-4D97-AF65-F5344CB8AC3E}">
-        <p14:creationId xmlns:p14="http://schemas.microsoft.com/office/powerpoint/2010/main" val="1866686256"/>
+        <p14:creationId xmlns:p14="http://schemas.microsoft.com/office/powerpoint/2010/main" val="1263111498"/>
+      </p:ext>
+    </p:extLst>
+  </p:cSld>
+  <p:clrMapOvr>
+    <a:masterClrMapping/>
+  </p:clrMapOvr>
+</p:sld>
+</file>
+
+<file path=ppt/slides/slide9.xml><?xml version="1.0" encoding="utf-8"?>
+<p:sld xmlns:a="http://schemas.openxmlformats.org/drawingml/2006/main" xmlns:r="http://schemas.openxmlformats.org/officeDocument/2006/relationships" xmlns:p="http://schemas.openxmlformats.org/presentationml/2006/main">
+  <p:cSld>
+    <p:spTree>
+      <p:nvGrpSpPr>
+        <p:cNvPr id="1" name=""/>
+        <p:cNvGrpSpPr/>
+        <p:nvPr/>
+      </p:nvGrpSpPr>
+      <p:grpSpPr>
+        <a:xfrm>
+          <a:off x="0" y="0"/>
+          <a:ext cx="0" cy="0"/>
+          <a:chOff x="0" y="0"/>
+          <a:chExt cx="0" cy="0"/>
+        </a:xfrm>
+      </p:grpSpPr>
+      <p:sp>
+        <p:nvSpPr>
+          <p:cNvPr id="2" name="Title 1"/>
+          <p:cNvSpPr>
+            <a:spLocks noGrp="1"/>
+          </p:cNvSpPr>
+          <p:nvPr>
+            <p:ph type="title"/>
+          </p:nvPr>
+        </p:nvSpPr>
+        <p:spPr/>
+        <p:txBody>
+          <a:bodyPr/>
+          <a:lstStyle/>
+          <a:p>
+            <a:r>
+              <a:rPr lang="en-US" dirty="0" smtClean="0"/>
+              <a:t>Rules</a:t>
+            </a:r>
+            <a:endParaRPr lang="en-US" dirty="0"/>
+          </a:p>
+        </p:txBody>
+      </p:sp>
+      <p:sp>
+        <p:nvSpPr>
+          <p:cNvPr id="3" name="Content Placeholder 2"/>
+          <p:cNvSpPr>
+            <a:spLocks noGrp="1"/>
+          </p:cNvSpPr>
+          <p:nvPr>
+            <p:ph idx="1"/>
+          </p:nvPr>
+        </p:nvSpPr>
+        <p:spPr>
+          <a:xfrm>
+            <a:off x="2532888" y="465708"/>
+            <a:ext cx="9262872" cy="5871083"/>
+          </a:xfrm>
+        </p:spPr>
+        <p:txBody>
+          <a:bodyPr>
+            <a:noAutofit/>
+          </a:bodyPr>
+          <a:lstStyle/>
+          <a:p>
+            <a:pPr marL="457200" indent="-457200">
+              <a:buFont typeface="+mj-lt"/>
+              <a:buAutoNum type="arabicPeriod"/>
+            </a:pPr>
+            <a:r>
+              <a:rPr lang="en-US" sz="2000" dirty="0" smtClean="0"/>
+              <a:t>Use </a:t>
+            </a:r>
+            <a:r>
+              <a:rPr lang="en-US" sz="2000" dirty="0"/>
+              <a:t>an API if one is provided, instead of scraping data. </a:t>
+            </a:r>
+            <a:endParaRPr lang="en-US" sz="2000" dirty="0" smtClean="0"/>
+          </a:p>
+          <a:p>
+            <a:pPr marL="457200" indent="-457200">
+              <a:buFont typeface="+mj-lt"/>
+              <a:buAutoNum type="arabicPeriod"/>
+            </a:pPr>
+            <a:r>
+              <a:rPr lang="en-US" sz="2000" dirty="0" smtClean="0"/>
+              <a:t>Respect </a:t>
+            </a:r>
+            <a:r>
+              <a:rPr lang="en-US" sz="2000" dirty="0"/>
+              <a:t>the Terms of Service (</a:t>
+            </a:r>
+            <a:r>
+              <a:rPr lang="en-US" sz="2000" dirty="0" err="1"/>
+              <a:t>ToS</a:t>
+            </a:r>
+            <a:r>
+              <a:rPr lang="en-US" sz="2000" dirty="0"/>
+              <a:t>). </a:t>
+            </a:r>
+            <a:endParaRPr lang="en-US" sz="2000" dirty="0" smtClean="0"/>
+          </a:p>
+          <a:p>
+            <a:pPr marL="457200" indent="-457200">
+              <a:buFont typeface="+mj-lt"/>
+              <a:buAutoNum type="arabicPeriod"/>
+            </a:pPr>
+            <a:r>
+              <a:rPr lang="en-US" sz="2000" dirty="0" smtClean="0"/>
+              <a:t>Respect </a:t>
+            </a:r>
+            <a:r>
+              <a:rPr lang="en-US" sz="2000" dirty="0"/>
+              <a:t>the rules of </a:t>
+            </a:r>
+            <a:r>
+              <a:rPr lang="en-US" sz="2000" i="1" dirty="0" err="1"/>
+              <a:t>robots.txt</a:t>
+            </a:r>
+            <a:r>
+              <a:rPr lang="en-US" sz="2000" dirty="0"/>
+              <a:t>. </a:t>
+            </a:r>
+            <a:endParaRPr lang="en-US" sz="2000" dirty="0" smtClean="0"/>
+          </a:p>
+          <a:p>
+            <a:pPr marL="457200" indent="-457200">
+              <a:buFont typeface="+mj-lt"/>
+              <a:buAutoNum type="arabicPeriod"/>
+            </a:pPr>
+            <a:r>
+              <a:rPr lang="en-US" sz="2000" dirty="0" smtClean="0"/>
+              <a:t>Use </a:t>
+            </a:r>
+            <a:r>
+              <a:rPr lang="en-US" sz="2000" dirty="0"/>
+              <a:t>a reasonable crawl </a:t>
+            </a:r>
+            <a:r>
+              <a:rPr lang="en-US" sz="2000" dirty="0" smtClean="0"/>
+              <a:t>rate. Respect </a:t>
+            </a:r>
+            <a:r>
+              <a:rPr lang="en-US" sz="2000" dirty="0"/>
+              <a:t>the </a:t>
+            </a:r>
+            <a:r>
+              <a:rPr lang="en-US" sz="2000" i="1" dirty="0"/>
+              <a:t>crawl-delay</a:t>
+            </a:r>
+            <a:r>
+              <a:rPr lang="en-US" sz="2000" dirty="0"/>
+              <a:t> setting provided in </a:t>
+            </a:r>
+            <a:r>
+              <a:rPr lang="en-US" sz="2000" i="1" dirty="0" err="1"/>
+              <a:t>robots.txt</a:t>
+            </a:r>
+            <a:r>
+              <a:rPr lang="en-US" sz="2000" dirty="0"/>
+              <a:t>; if there's none, use a conservative crawl rate (e.g. 1 request per 10-15 seconds). </a:t>
+            </a:r>
+          </a:p>
+          <a:p>
+            <a:pPr marL="457200" indent="-457200">
+              <a:buFont typeface="+mj-lt"/>
+              <a:buAutoNum type="arabicPeriod"/>
+            </a:pPr>
+            <a:r>
+              <a:rPr lang="en-US" sz="2000" dirty="0"/>
+              <a:t>Identify your web scraper or crawler with a legitimate user agent string. Create a page that explains what you're doing and why, and link back to the page in your user agent string (e.g. 'MY-BOT (+https://yoursite.com/mybot.html)') </a:t>
+            </a:r>
+          </a:p>
+          <a:p>
+            <a:pPr marL="457200" indent="-457200">
+              <a:buFont typeface="+mj-lt"/>
+              <a:buAutoNum type="arabicPeriod"/>
+            </a:pPr>
+            <a:r>
+              <a:rPr lang="en-US" sz="2000" dirty="0"/>
+              <a:t>If </a:t>
+            </a:r>
+            <a:r>
+              <a:rPr lang="en-US" sz="2000" dirty="0" err="1"/>
+              <a:t>ToS</a:t>
+            </a:r>
+            <a:r>
+              <a:rPr lang="en-US" sz="2000" dirty="0"/>
+              <a:t> or </a:t>
+            </a:r>
+            <a:r>
+              <a:rPr lang="en-US" sz="2000" i="1" dirty="0" err="1"/>
+              <a:t>robots.txt</a:t>
+            </a:r>
+            <a:r>
+              <a:rPr lang="en-US" sz="2000" dirty="0"/>
+              <a:t> prevent you from crawling or scraping, ask a written permission to the owner of the site, </a:t>
+            </a:r>
+            <a:r>
+              <a:rPr lang="en-US" sz="2000" b="1" dirty="0"/>
+              <a:t>prior</a:t>
+            </a:r>
+            <a:r>
+              <a:rPr lang="en-US" sz="2000" dirty="0"/>
+              <a:t> to doing anything else. </a:t>
+            </a:r>
+          </a:p>
+          <a:p>
+            <a:pPr marL="457200" indent="-457200">
+              <a:buFont typeface="+mj-lt"/>
+              <a:buAutoNum type="arabicPeriod"/>
+            </a:pPr>
+            <a:r>
+              <a:rPr lang="en-US" sz="2000" dirty="0"/>
+              <a:t>Don't republish your crawled or scraped data or any derivative dataset without verifying the license of the data, or without obtaining a written permission from the copyright holder. </a:t>
+            </a:r>
+          </a:p>
+          <a:p>
+            <a:pPr marL="457200" indent="-457200">
+              <a:buFont typeface="+mj-lt"/>
+              <a:buAutoNum type="arabicPeriod"/>
+            </a:pPr>
+            <a:r>
+              <a:rPr lang="en-US" sz="2000" dirty="0"/>
+              <a:t>If you doubt on the legality of what you're doing, don't do it. Or seek the advice of a lawyer. </a:t>
+            </a:r>
+          </a:p>
+          <a:p>
+            <a:pPr marL="457200" indent="-457200">
+              <a:buFont typeface="+mj-lt"/>
+              <a:buAutoNum type="arabicPeriod"/>
+            </a:pPr>
+            <a:r>
+              <a:rPr lang="en-US" sz="2000" dirty="0"/>
+              <a:t>Don't base your whole business on data scraping. The website(s) that you scrape may eventually block you, just like what happened in Craigslist Inc. v. 3Taps Inc.. </a:t>
+            </a:r>
+          </a:p>
+        </p:txBody>
+      </p:sp>
+    </p:spTree>
+    <p:extLst>
+      <p:ext uri="{BB962C8B-B14F-4D97-AF65-F5344CB8AC3E}">
+        <p14:creationId xmlns:p14="http://schemas.microsoft.com/office/powerpoint/2010/main" val="1909705703"/>
       </p:ext>
     </p:extLst>
   </p:cSld>
